--- a/final_project/Yelp_final.pptx
+++ b/final_project/Yelp_final.pptx
@@ -5,17 +5,20 @@
     <p:sldMasterId id="2147483660" r:id="rId1"/>
   </p:sldMasterIdLst>
   <p:notesMasterIdLst>
-    <p:notesMasterId r:id="rId10"/>
+    <p:notesMasterId r:id="rId13"/>
   </p:notesMasterIdLst>
   <p:sldIdLst>
     <p:sldId id="256" r:id="rId2"/>
     <p:sldId id="257" r:id="rId3"/>
-    <p:sldId id="258" r:id="rId4"/>
-    <p:sldId id="259" r:id="rId5"/>
-    <p:sldId id="260" r:id="rId6"/>
-    <p:sldId id="261" r:id="rId7"/>
-    <p:sldId id="262" r:id="rId8"/>
-    <p:sldId id="263" r:id="rId9"/>
+    <p:sldId id="266" r:id="rId4"/>
+    <p:sldId id="258" r:id="rId5"/>
+    <p:sldId id="265" r:id="rId6"/>
+    <p:sldId id="264" r:id="rId7"/>
+    <p:sldId id="259" r:id="rId8"/>
+    <p:sldId id="260" r:id="rId9"/>
+    <p:sldId id="261" r:id="rId10"/>
+    <p:sldId id="262" r:id="rId11"/>
+    <p:sldId id="263" r:id="rId12"/>
   </p:sldIdLst>
   <p:sldSz cx="9144000" cy="6858000" type="screen4x3"/>
   <p:notesSz cx="6858000" cy="9144000"/>
@@ -199,7 +202,7 @@
           <a:p>
             <a:fld id="{271E7384-FFE7-5646-99A3-EE7A1699098E}" type="datetimeFigureOut">
               <a:rPr lang="en-US" smtClean="0"/>
-              <a:t>1/25/16</a:t>
+              <a:t>1/26/16</a:t>
             </a:fld>
             <a:endParaRPr lang="en-US"/>
           </a:p>
@@ -532,7 +535,183 @@
           <a:p>
             <a:fld id="{911F63EF-E6C5-EC4D-819A-0CA1A9408C66}" type="slidenum">
               <a:rPr lang="en-US" smtClean="0"/>
-              <a:t>5</a:t>
+              <a:t>1</a:t>
+            </a:fld>
+            <a:endParaRPr lang="en-US"/>
+          </a:p>
+        </p:txBody>
+      </p:sp>
+    </p:spTree>
+    <p:extLst>
+      <p:ext uri="{BB962C8B-B14F-4D97-AF65-F5344CB8AC3E}">
+        <p14:creationId xmlns:p14="http://schemas.microsoft.com/office/powerpoint/2010/main" val="3450798824"/>
+      </p:ext>
+    </p:extLst>
+  </p:cSld>
+  <p:clrMapOvr>
+    <a:masterClrMapping/>
+  </p:clrMapOvr>
+</p:notes>
+</file>
+
+<file path=ppt/notesSlides/notesSlide2.xml><?xml version="1.0" encoding="utf-8"?>
+<p:notes xmlns:a="http://schemas.openxmlformats.org/drawingml/2006/main" xmlns:r="http://schemas.openxmlformats.org/officeDocument/2006/relationships" xmlns:p="http://schemas.openxmlformats.org/presentationml/2006/main">
+  <p:cSld>
+    <p:spTree>
+      <p:nvGrpSpPr>
+        <p:cNvPr id="1" name=""/>
+        <p:cNvGrpSpPr/>
+        <p:nvPr/>
+      </p:nvGrpSpPr>
+      <p:grpSpPr>
+        <a:xfrm>
+          <a:off x="0" y="0"/>
+          <a:ext cx="0" cy="0"/>
+          <a:chOff x="0" y="0"/>
+          <a:chExt cx="0" cy="0"/>
+        </a:xfrm>
+      </p:grpSpPr>
+      <p:sp>
+        <p:nvSpPr>
+          <p:cNvPr id="2" name="Slide Image Placeholder 1"/>
+          <p:cNvSpPr>
+            <a:spLocks noGrp="1" noRot="1" noChangeAspect="1"/>
+          </p:cNvSpPr>
+          <p:nvPr>
+            <p:ph type="sldImg"/>
+          </p:nvPr>
+        </p:nvSpPr>
+        <p:spPr/>
+      </p:sp>
+      <p:sp>
+        <p:nvSpPr>
+          <p:cNvPr id="3" name="Notes Placeholder 2"/>
+          <p:cNvSpPr>
+            <a:spLocks noGrp="1"/>
+          </p:cNvSpPr>
+          <p:nvPr>
+            <p:ph type="body" idx="1"/>
+          </p:nvPr>
+        </p:nvSpPr>
+        <p:spPr/>
+        <p:txBody>
+          <a:bodyPr/>
+          <a:lstStyle/>
+          <a:p>
+            <a:r>
+              <a:rPr lang="en-US" dirty="0" smtClean="0"/>
+              <a:t>Under</a:t>
+            </a:r>
+            <a:r>
+              <a:rPr lang="en-US" baseline="0" dirty="0" smtClean="0"/>
+              <a:t> sampling</a:t>
+            </a:r>
+            <a:endParaRPr lang="en-US" dirty="0"/>
+          </a:p>
+        </p:txBody>
+      </p:sp>
+      <p:sp>
+        <p:nvSpPr>
+          <p:cNvPr id="4" name="Slide Number Placeholder 3"/>
+          <p:cNvSpPr>
+            <a:spLocks noGrp="1"/>
+          </p:cNvSpPr>
+          <p:nvPr>
+            <p:ph type="sldNum" sz="quarter" idx="10"/>
+          </p:nvPr>
+        </p:nvSpPr>
+        <p:spPr/>
+        <p:txBody>
+          <a:bodyPr/>
+          <a:lstStyle/>
+          <a:p>
+            <a:fld id="{911F63EF-E6C5-EC4D-819A-0CA1A9408C66}" type="slidenum">
+              <a:rPr lang="en-US" smtClean="0"/>
+              <a:t>2</a:t>
+            </a:fld>
+            <a:endParaRPr lang="en-US"/>
+          </a:p>
+        </p:txBody>
+      </p:sp>
+    </p:spTree>
+    <p:extLst>
+      <p:ext uri="{BB962C8B-B14F-4D97-AF65-F5344CB8AC3E}">
+        <p14:creationId xmlns:p14="http://schemas.microsoft.com/office/powerpoint/2010/main" val="3974319129"/>
+      </p:ext>
+    </p:extLst>
+  </p:cSld>
+  <p:clrMapOvr>
+    <a:masterClrMapping/>
+  </p:clrMapOvr>
+</p:notes>
+</file>
+
+<file path=ppt/notesSlides/notesSlide3.xml><?xml version="1.0" encoding="utf-8"?>
+<p:notes xmlns:a="http://schemas.openxmlformats.org/drawingml/2006/main" xmlns:r="http://schemas.openxmlformats.org/officeDocument/2006/relationships" xmlns:p="http://schemas.openxmlformats.org/presentationml/2006/main">
+  <p:cSld>
+    <p:spTree>
+      <p:nvGrpSpPr>
+        <p:cNvPr id="1" name=""/>
+        <p:cNvGrpSpPr/>
+        <p:nvPr/>
+      </p:nvGrpSpPr>
+      <p:grpSpPr>
+        <a:xfrm>
+          <a:off x="0" y="0"/>
+          <a:ext cx="0" cy="0"/>
+          <a:chOff x="0" y="0"/>
+          <a:chExt cx="0" cy="0"/>
+        </a:xfrm>
+      </p:grpSpPr>
+      <p:sp>
+        <p:nvSpPr>
+          <p:cNvPr id="2" name="Slide Image Placeholder 1"/>
+          <p:cNvSpPr>
+            <a:spLocks noGrp="1" noRot="1" noChangeAspect="1"/>
+          </p:cNvSpPr>
+          <p:nvPr>
+            <p:ph type="sldImg"/>
+          </p:nvPr>
+        </p:nvSpPr>
+        <p:spPr/>
+      </p:sp>
+      <p:sp>
+        <p:nvSpPr>
+          <p:cNvPr id="3" name="Notes Placeholder 2"/>
+          <p:cNvSpPr>
+            <a:spLocks noGrp="1"/>
+          </p:cNvSpPr>
+          <p:nvPr>
+            <p:ph type="body" idx="1"/>
+          </p:nvPr>
+        </p:nvSpPr>
+        <p:spPr/>
+        <p:txBody>
+          <a:bodyPr/>
+          <a:lstStyle/>
+          <a:p>
+            <a:endParaRPr lang="en-US" dirty="0"/>
+          </a:p>
+        </p:txBody>
+      </p:sp>
+      <p:sp>
+        <p:nvSpPr>
+          <p:cNvPr id="4" name="Slide Number Placeholder 3"/>
+          <p:cNvSpPr>
+            <a:spLocks noGrp="1"/>
+          </p:cNvSpPr>
+          <p:nvPr>
+            <p:ph type="sldNum" sz="quarter" idx="10"/>
+          </p:nvPr>
+        </p:nvSpPr>
+        <p:spPr/>
+        <p:txBody>
+          <a:bodyPr/>
+          <a:lstStyle/>
+          <a:p>
+            <a:fld id="{911F63EF-E6C5-EC4D-819A-0CA1A9408C66}" type="slidenum">
+              <a:rPr lang="en-US" smtClean="0"/>
+              <a:t>8</a:t>
             </a:fld>
             <a:endParaRPr lang="en-US"/>
           </a:p>
@@ -862,7 +1041,7 @@
           <a:p>
             <a:fld id="{B1A24CD3-204F-4468-8EE4-28A6668D006A}" type="datetimeFigureOut">
               <a:rPr lang="en-US" smtClean="0"/>
-              <a:t>1/25/16</a:t>
+              <a:t>1/26/16</a:t>
             </a:fld>
             <a:endParaRPr lang="en-US"/>
           </a:p>
@@ -1148,7 +1327,7 @@
           <a:p>
             <a:fld id="{B1A24CD3-204F-4468-8EE4-28A6668D006A}" type="datetimeFigureOut">
               <a:rPr lang="en-US" smtClean="0"/>
-              <a:t>1/25/16</a:t>
+              <a:t>1/26/16</a:t>
             </a:fld>
             <a:endParaRPr lang="en-US"/>
           </a:p>
@@ -1570,7 +1749,7 @@
           <a:p>
             <a:fld id="{B1A24CD3-204F-4468-8EE4-28A6668D006A}" type="datetimeFigureOut">
               <a:rPr lang="en-US" smtClean="0"/>
-              <a:t>1/25/16</a:t>
+              <a:t>1/26/16</a:t>
             </a:fld>
             <a:endParaRPr lang="en-US"/>
           </a:p>
@@ -1987,7 +2166,7 @@
           <a:p>
             <a:fld id="{B1A24CD3-204F-4468-8EE4-28A6668D006A}" type="datetimeFigureOut">
               <a:rPr lang="en-US" smtClean="0"/>
-              <a:t>1/25/16</a:t>
+              <a:t>1/26/16</a:t>
             </a:fld>
             <a:endParaRPr lang="en-US"/>
           </a:p>
@@ -2120,7 +2299,7 @@
           <a:p>
             <a:fld id="{B1A24CD3-204F-4468-8EE4-28A6668D006A}" type="datetimeFigureOut">
               <a:rPr lang="en-US" smtClean="0"/>
-              <a:t>1/25/16</a:t>
+              <a:t>1/26/16</a:t>
             </a:fld>
             <a:endParaRPr lang="en-US"/>
           </a:p>
@@ -2442,7 +2621,7 @@
           <a:p>
             <a:fld id="{B1A24CD3-204F-4468-8EE4-28A6668D006A}" type="datetimeFigureOut">
               <a:rPr lang="en-US" smtClean="0"/>
-              <a:t>1/25/16</a:t>
+              <a:t>1/26/16</a:t>
             </a:fld>
             <a:endParaRPr lang="en-US"/>
           </a:p>
@@ -2686,7 +2865,7 @@
           <a:p>
             <a:fld id="{B1A24CD3-204F-4468-8EE4-28A6668D006A}" type="datetimeFigureOut">
               <a:rPr lang="en-US" smtClean="0"/>
-              <a:t>1/25/16</a:t>
+              <a:t>1/26/16</a:t>
             </a:fld>
             <a:endParaRPr lang="en-US"/>
           </a:p>
@@ -3024,7 +3203,7 @@
           <a:p>
             <a:fld id="{B1A24CD3-204F-4468-8EE4-28A6668D006A}" type="datetimeFigureOut">
               <a:rPr lang="en-US" smtClean="0"/>
-              <a:t>1/25/16</a:t>
+              <a:t>1/26/16</a:t>
             </a:fld>
             <a:endParaRPr lang="en-US"/>
           </a:p>
@@ -3324,7 +3503,7 @@
           <a:p>
             <a:fld id="{B1A24CD3-204F-4468-8EE4-28A6668D006A}" type="datetimeFigureOut">
               <a:rPr lang="en-US" smtClean="0"/>
-              <a:t>1/25/16</a:t>
+              <a:t>1/26/16</a:t>
             </a:fld>
             <a:endParaRPr lang="en-US"/>
           </a:p>
@@ -3731,7 +3910,7 @@
           <a:p>
             <a:fld id="{B1A24CD3-204F-4468-8EE4-28A6668D006A}" type="datetimeFigureOut">
               <a:rPr lang="en-US" smtClean="0"/>
-              <a:t>1/25/16</a:t>
+              <a:t>1/26/16</a:t>
             </a:fld>
             <a:endParaRPr lang="en-US"/>
           </a:p>
@@ -3953,7 +4132,7 @@
           <a:p>
             <a:fld id="{B1A24CD3-204F-4468-8EE4-28A6668D006A}" type="datetimeFigureOut">
               <a:rPr lang="en-US" smtClean="0"/>
-              <a:t>1/25/16</a:t>
+              <a:t>1/26/16</a:t>
             </a:fld>
             <a:endParaRPr lang="en-US"/>
           </a:p>
@@ -4170,7 +4349,7 @@
           <a:p>
             <a:fld id="{B1A24CD3-204F-4468-8EE4-28A6668D006A}" type="datetimeFigureOut">
               <a:rPr lang="en-US" smtClean="0"/>
-              <a:t>1/25/16</a:t>
+              <a:t>1/26/16</a:t>
             </a:fld>
             <a:endParaRPr lang="en-US"/>
           </a:p>
@@ -4475,7 +4654,7 @@
           <a:p>
             <a:fld id="{B1A24CD3-204F-4468-8EE4-28A6668D006A}" type="datetimeFigureOut">
               <a:rPr lang="en-US" smtClean="0"/>
-              <a:t>1/25/16</a:t>
+              <a:t>1/26/16</a:t>
             </a:fld>
             <a:endParaRPr lang="en-US"/>
           </a:p>
@@ -4802,7 +4981,7 @@
           <a:p>
             <a:fld id="{B1A24CD3-204F-4468-8EE4-28A6668D006A}" type="datetimeFigureOut">
               <a:rPr lang="en-US" smtClean="0"/>
-              <a:t>1/25/16</a:t>
+              <a:t>1/26/16</a:t>
             </a:fld>
             <a:endParaRPr lang="en-US"/>
           </a:p>
@@ -5137,7 +5316,7 @@
           <a:p>
             <a:fld id="{B1A24CD3-204F-4468-8EE4-28A6668D006A}" type="datetimeFigureOut">
               <a:rPr lang="en-US" smtClean="0"/>
-              <a:t>1/25/16</a:t>
+              <a:t>1/26/16</a:t>
             </a:fld>
             <a:endParaRPr lang="en-US"/>
           </a:p>
@@ -5760,7 +5939,7 @@
           <a:p>
             <a:fld id="{B1A24CD3-204F-4468-8EE4-28A6668D006A}" type="datetimeFigureOut">
               <a:rPr lang="en-US" smtClean="0"/>
-              <a:t>1/25/16</a:t>
+              <a:t>1/26/16</a:t>
             </a:fld>
             <a:endParaRPr lang="en-US"/>
           </a:p>
@@ -6247,7 +6426,7 @@
           <a:p>
             <a:fld id="{B1A24CD3-204F-4468-8EE4-28A6668D006A}" type="datetimeFigureOut">
               <a:rPr lang="en-US" smtClean="0"/>
-              <a:t>1/25/16</a:t>
+              <a:t>1/26/16</a:t>
             </a:fld>
             <a:endParaRPr lang="en-US"/>
           </a:p>
@@ -6495,7 +6674,7 @@
           <a:p>
             <a:fld id="{B1A24CD3-204F-4468-8EE4-28A6668D006A}" type="datetimeFigureOut">
               <a:rPr lang="en-US" smtClean="0"/>
-              <a:t>1/25/16</a:t>
+              <a:t>1/26/16</a:t>
             </a:fld>
             <a:endParaRPr lang="en-US"/>
           </a:p>
@@ -6791,7 +6970,7 @@
           <a:p>
             <a:fld id="{B1A24CD3-204F-4468-8EE4-28A6668D006A}" type="datetimeFigureOut">
               <a:rPr lang="en-US" smtClean="0"/>
-              <a:t>1/25/16</a:t>
+              <a:t>1/26/16</a:t>
             </a:fld>
             <a:endParaRPr lang="en-US"/>
           </a:p>
@@ -7265,6 +7444,127 @@
           <p:nvPr/>
         </p:nvPicPr>
         <p:blipFill>
+          <a:blip r:embed="rId3">
+            <a:extLst>
+              <a:ext uri="{28A0092B-C50C-407E-A947-70E740481C1C}">
+                <a14:useLocalDpi xmlns:a14="http://schemas.microsoft.com/office/drawing/2010/main" val="0"/>
+              </a:ext>
+            </a:extLst>
+          </a:blip>
+          <a:stretch>
+            <a:fillRect/>
+          </a:stretch>
+        </p:blipFill>
+        <p:spPr>
+          <a:xfrm>
+            <a:off x="531260" y="255621"/>
+            <a:ext cx="2669138" cy="1280465"/>
+          </a:xfrm>
+          <a:prstGeom prst="rect">
+            <a:avLst/>
+          </a:prstGeom>
+        </p:spPr>
+      </p:pic>
+      <p:sp>
+        <p:nvSpPr>
+          <p:cNvPr id="5" name="TextBox 4"/>
+          <p:cNvSpPr txBox="1"/>
+          <p:nvPr/>
+        </p:nvSpPr>
+        <p:spPr>
+          <a:xfrm>
+            <a:off x="-449165" y="4460992"/>
+            <a:ext cx="184666" cy="369332"/>
+          </a:xfrm>
+          <a:prstGeom prst="rect">
+            <a:avLst/>
+          </a:prstGeom>
+          <a:noFill/>
+        </p:spPr>
+        <p:txBody>
+          <a:bodyPr wrap="none" rtlCol="0">
+            <a:spAutoFit/>
+          </a:bodyPr>
+          <a:lstStyle/>
+          <a:p>
+            <a:endParaRPr lang="en-US" dirty="0"/>
+          </a:p>
+        </p:txBody>
+      </p:sp>
+    </p:spTree>
+    <p:extLst>
+      <p:ext uri="{BB962C8B-B14F-4D97-AF65-F5344CB8AC3E}">
+        <p14:creationId xmlns:p14="http://schemas.microsoft.com/office/powerpoint/2010/main" val="1863889419"/>
+      </p:ext>
+    </p:extLst>
+  </p:cSld>
+  <p:clrMapOvr>
+    <a:masterClrMapping/>
+  </p:clrMapOvr>
+  <p:timing>
+    <p:tnLst>
+      <p:par>
+        <p:cTn xmlns:p14="http://schemas.microsoft.com/office/powerpoint/2010/main" id="1" dur="indefinite" restart="never" nodeType="tmRoot"/>
+      </p:par>
+    </p:tnLst>
+  </p:timing>
+</p:sld>
+</file>
+
+<file path=ppt/slides/slide10.xml><?xml version="1.0" encoding="utf-8"?>
+<p:sld xmlns:a="http://schemas.openxmlformats.org/drawingml/2006/main" xmlns:r="http://schemas.openxmlformats.org/officeDocument/2006/relationships" xmlns:p="http://schemas.openxmlformats.org/presentationml/2006/main">
+  <p:cSld>
+    <p:spTree>
+      <p:nvGrpSpPr>
+        <p:cNvPr id="1" name=""/>
+        <p:cNvGrpSpPr/>
+        <p:nvPr/>
+      </p:nvGrpSpPr>
+      <p:grpSpPr>
+        <a:xfrm>
+          <a:off x="0" y="0"/>
+          <a:ext cx="0" cy="0"/>
+          <a:chOff x="0" y="0"/>
+          <a:chExt cx="0" cy="0"/>
+        </a:xfrm>
+      </p:grpSpPr>
+      <p:sp>
+        <p:nvSpPr>
+          <p:cNvPr id="2" name="Title 1"/>
+          <p:cNvSpPr>
+            <a:spLocks noGrp="1"/>
+          </p:cNvSpPr>
+          <p:nvPr>
+            <p:ph type="title"/>
+          </p:nvPr>
+        </p:nvSpPr>
+        <p:spPr>
+          <a:xfrm>
+            <a:off x="348780" y="-212594"/>
+            <a:ext cx="6508377" cy="1143000"/>
+          </a:xfrm>
+        </p:spPr>
+        <p:txBody>
+          <a:bodyPr/>
+          <a:lstStyle/>
+          <a:p>
+            <a:r>
+              <a:rPr lang="en-US" dirty="0" smtClean="0"/>
+              <a:t>Feature importance</a:t>
+            </a:r>
+            <a:endParaRPr lang="en-US" dirty="0"/>
+          </a:p>
+        </p:txBody>
+      </p:sp>
+      <p:pic>
+        <p:nvPicPr>
+          <p:cNvPr id="5" name="Picture 4" descr="SVC.png"/>
+          <p:cNvPicPr>
+            <a:picLocks noChangeAspect="1"/>
+          </p:cNvPicPr>
+          <p:nvPr/>
+        </p:nvPicPr>
+        <p:blipFill>
           <a:blip r:embed="rId2">
             <a:extLst>
               <a:ext uri="{28A0092B-C50C-407E-A947-70E740481C1C}">
@@ -7278,18 +7578,177 @@
         </p:blipFill>
         <p:spPr>
           <a:xfrm>
-            <a:off x="531260" y="271111"/>
-            <a:ext cx="2669138" cy="1280465"/>
+            <a:off x="348779" y="1239669"/>
+            <a:ext cx="5691721" cy="3995799"/>
           </a:xfrm>
           <a:prstGeom prst="rect">
             <a:avLst/>
           </a:prstGeom>
         </p:spPr>
       </p:pic>
+      <p:sp>
+        <p:nvSpPr>
+          <p:cNvPr id="6" name="TextBox 5"/>
+          <p:cNvSpPr txBox="1"/>
+          <p:nvPr/>
+        </p:nvSpPr>
+        <p:spPr>
+          <a:xfrm>
+            <a:off x="6040500" y="3020463"/>
+            <a:ext cx="2885545" cy="923330"/>
+          </a:xfrm>
+          <a:prstGeom prst="rect">
+            <a:avLst/>
+          </a:prstGeom>
+          <a:noFill/>
+        </p:spPr>
+        <p:txBody>
+          <a:bodyPr wrap="square" rtlCol="0">
+            <a:spAutoFit/>
+          </a:bodyPr>
+          <a:lstStyle/>
+          <a:p>
+            <a:r>
+              <a:rPr lang="en-US" dirty="0" smtClean="0"/>
+              <a:t>Feature importance</a:t>
+            </a:r>
+          </a:p>
+          <a:p>
+            <a:r>
+              <a:rPr lang="en-US" dirty="0"/>
+              <a:t>b</a:t>
+            </a:r>
+            <a:r>
+              <a:rPr lang="en-US" dirty="0" smtClean="0"/>
+              <a:t>ased on linear kernel</a:t>
+            </a:r>
+          </a:p>
+          <a:p>
+            <a:r>
+              <a:rPr lang="en-US" dirty="0" smtClean="0"/>
+              <a:t>model</a:t>
+            </a:r>
+          </a:p>
+        </p:txBody>
+      </p:sp>
     </p:spTree>
     <p:extLst>
       <p:ext uri="{BB962C8B-B14F-4D97-AF65-F5344CB8AC3E}">
-        <p14:creationId xmlns:p14="http://schemas.microsoft.com/office/powerpoint/2010/main" val="1863889419"/>
+        <p14:creationId xmlns:p14="http://schemas.microsoft.com/office/powerpoint/2010/main" val="1348602933"/>
+      </p:ext>
+    </p:extLst>
+  </p:cSld>
+  <p:clrMapOvr>
+    <a:masterClrMapping/>
+  </p:clrMapOvr>
+  <p:timing>
+    <p:tnLst>
+      <p:par>
+        <p:cTn xmlns:p14="http://schemas.microsoft.com/office/powerpoint/2010/main" id="1" dur="indefinite" restart="never" nodeType="tmRoot"/>
+      </p:par>
+    </p:tnLst>
+  </p:timing>
+</p:sld>
+</file>
+
+<file path=ppt/slides/slide11.xml><?xml version="1.0" encoding="utf-8"?>
+<p:sld xmlns:a="http://schemas.openxmlformats.org/drawingml/2006/main" xmlns:r="http://schemas.openxmlformats.org/officeDocument/2006/relationships" xmlns:p="http://schemas.openxmlformats.org/presentationml/2006/main">
+  <p:cSld>
+    <p:spTree>
+      <p:nvGrpSpPr>
+        <p:cNvPr id="1" name=""/>
+        <p:cNvGrpSpPr/>
+        <p:nvPr/>
+      </p:nvGrpSpPr>
+      <p:grpSpPr>
+        <a:xfrm>
+          <a:off x="0" y="0"/>
+          <a:ext cx="0" cy="0"/>
+          <a:chOff x="0" y="0"/>
+          <a:chExt cx="0" cy="0"/>
+        </a:xfrm>
+      </p:grpSpPr>
+      <p:sp>
+        <p:nvSpPr>
+          <p:cNvPr id="2" name="Title 1"/>
+          <p:cNvSpPr>
+            <a:spLocks noGrp="1"/>
+          </p:cNvSpPr>
+          <p:nvPr>
+            <p:ph type="title"/>
+          </p:nvPr>
+        </p:nvSpPr>
+        <p:spPr/>
+        <p:txBody>
+          <a:bodyPr/>
+          <a:lstStyle/>
+          <a:p>
+            <a:r>
+              <a:rPr lang="en-US" dirty="0" smtClean="0"/>
+              <a:t>NEXT STEPS</a:t>
+            </a:r>
+            <a:endParaRPr lang="en-US" dirty="0"/>
+          </a:p>
+        </p:txBody>
+      </p:sp>
+      <p:sp>
+        <p:nvSpPr>
+          <p:cNvPr id="3" name="Content Placeholder 2"/>
+          <p:cNvSpPr>
+            <a:spLocks noGrp="1"/>
+          </p:cNvSpPr>
+          <p:nvPr>
+            <p:ph idx="1"/>
+          </p:nvPr>
+        </p:nvSpPr>
+        <p:spPr/>
+        <p:txBody>
+          <a:bodyPr/>
+          <a:lstStyle/>
+          <a:p>
+            <a:r>
+              <a:rPr lang="en-US" dirty="0" smtClean="0"/>
+              <a:t>Additional </a:t>
+            </a:r>
+            <a:r>
+              <a:rPr lang="en-US" dirty="0"/>
+              <a:t>data, </a:t>
+            </a:r>
+            <a:r>
+              <a:rPr lang="en-US" dirty="0" smtClean="0"/>
+              <a:t>link </a:t>
+            </a:r>
+            <a:r>
+              <a:rPr lang="en-US" dirty="0"/>
+              <a:t>databases to get check-in or geographic </a:t>
+            </a:r>
+            <a:r>
+              <a:rPr lang="en-US" dirty="0" smtClean="0"/>
+              <a:t>data</a:t>
+            </a:r>
+          </a:p>
+          <a:p>
+            <a:r>
+              <a:rPr lang="en-US" dirty="0" smtClean="0"/>
+              <a:t>More feature engineering to allow for non-PCA model to run --- identify key features in choosing elites</a:t>
+            </a:r>
+          </a:p>
+          <a:p>
+            <a:r>
+              <a:rPr lang="en-US" dirty="0"/>
+              <a:t> </a:t>
+            </a:r>
+            <a:r>
+              <a:rPr lang="en-US" dirty="0" smtClean="0"/>
+              <a:t>In-depth analysis of friends list to link users</a:t>
+            </a:r>
+          </a:p>
+        </p:txBody>
+      </p:sp>
+    </p:spTree>
+    <p:extLst>
+      <p:ext uri="{BB962C8B-B14F-4D97-AF65-F5344CB8AC3E}">
+        <p14:creationId xmlns:p14="http://schemas.microsoft.com/office/powerpoint/2010/main" val="500408001"/>
       </p:ext>
     </p:extLst>
   </p:cSld>
@@ -7332,36 +7791,6 @@
           <p:nvPr/>
         </p:nvPicPr>
         <p:blipFill>
-          <a:blip r:embed="rId2">
-            <a:extLst>
-              <a:ext uri="{28A0092B-C50C-407E-A947-70E740481C1C}">
-                <a14:useLocalDpi xmlns:a14="http://schemas.microsoft.com/office/drawing/2010/main" val="0"/>
-              </a:ext>
-            </a:extLst>
-          </a:blip>
-          <a:stretch>
-            <a:fillRect/>
-          </a:stretch>
-        </p:blipFill>
-        <p:spPr>
-          <a:xfrm>
-            <a:off x="147461" y="217311"/>
-            <a:ext cx="3479094" cy="2763675"/>
-          </a:xfrm>
-          <a:prstGeom prst="rect">
-            <a:avLst/>
-          </a:prstGeom>
-        </p:spPr>
-      </p:pic>
-      <p:pic>
-        <p:nvPicPr>
-          <p:cNvPr id="5" name="Picture 4" descr="Screen Shot 2016-01-25 at 6.18.47 PM.png"/>
-          <p:cNvPicPr>
-            <a:picLocks noChangeAspect="1"/>
-          </p:cNvPicPr>
-          <p:nvPr/>
-        </p:nvPicPr>
-        <p:blipFill>
           <a:blip r:embed="rId3">
             <a:extLst>
               <a:ext uri="{28A0092B-C50C-407E-A947-70E740481C1C}">
@@ -7375,14 +7804,44 @@
         </p:blipFill>
         <p:spPr>
           <a:xfrm>
-            <a:off x="4145844" y="3412403"/>
-            <a:ext cx="4151489" cy="2910814"/>
+            <a:off x="147461" y="217311"/>
+            <a:ext cx="3479094" cy="2763675"/>
           </a:xfrm>
           <a:prstGeom prst="rect">
             <a:avLst/>
           </a:prstGeom>
         </p:spPr>
       </p:pic>
+      <p:pic>
+        <p:nvPicPr>
+          <p:cNvPr id="5" name="Picture 4" descr="Screen Shot 2016-01-25 at 6.18.47 PM.png"/>
+          <p:cNvPicPr>
+            <a:picLocks noChangeAspect="1"/>
+          </p:cNvPicPr>
+          <p:nvPr/>
+        </p:nvPicPr>
+        <p:blipFill>
+          <a:blip r:embed="rId4">
+            <a:extLst>
+              <a:ext uri="{28A0092B-C50C-407E-A947-70E740481C1C}">
+                <a14:useLocalDpi xmlns:a14="http://schemas.microsoft.com/office/drawing/2010/main" val="0"/>
+              </a:ext>
+            </a:extLst>
+          </a:blip>
+          <a:stretch>
+            <a:fillRect/>
+          </a:stretch>
+        </p:blipFill>
+        <p:spPr>
+          <a:xfrm>
+            <a:off x="4145844" y="3412403"/>
+            <a:ext cx="4151489" cy="2910814"/>
+          </a:xfrm>
+          <a:prstGeom prst="rect">
+            <a:avLst/>
+          </a:prstGeom>
+        </p:spPr>
+      </p:pic>
       <p:sp>
         <p:nvSpPr>
           <p:cNvPr id="6" name="Content Placeholder 2"/>
@@ -7395,7 +7854,7 @@
         </p:nvSpPr>
         <p:spPr>
           <a:xfrm>
-            <a:off x="0" y="4091722"/>
+            <a:off x="0" y="3905842"/>
             <a:ext cx="4419600" cy="2231495"/>
           </a:xfrm>
         </p:spPr>
@@ -7417,7 +7876,7 @@
             </a:r>
             <a:r>
               <a:rPr lang="en-US" b="1" dirty="0" smtClean="0"/>
-              <a:t>Elite is the labels column—1 = Elite(has been elite)         			           0 = Never been elite</a:t>
+              <a:t>Elite is the labels column—1 = Elite(has been 			elite)         			            0 = Never been elite</a:t>
             </a:r>
           </a:p>
           <a:p>
@@ -7443,7 +7902,7 @@
         </p:nvSpPr>
         <p:spPr>
           <a:xfrm rot="2937473">
-            <a:off x="3263943" y="2805237"/>
+            <a:off x="3451095" y="2912181"/>
             <a:ext cx="725225" cy="475958"/>
           </a:xfrm>
           <a:prstGeom prst="rightArrow">
@@ -7582,107 +8041,9 @@
           <a:chExt cx="0" cy="0"/>
         </a:xfrm>
       </p:grpSpPr>
-      <p:sp>
-        <p:nvSpPr>
-          <p:cNvPr id="7" name="Content Placeholder 6"/>
-          <p:cNvSpPr>
-            <a:spLocks noGrp="1"/>
-          </p:cNvSpPr>
-          <p:nvPr>
-            <p:ph idx="1"/>
-          </p:nvPr>
-        </p:nvSpPr>
-        <p:spPr>
-          <a:xfrm>
-            <a:off x="500944" y="3053292"/>
-            <a:ext cx="5709687" cy="2358496"/>
-          </a:xfrm>
-        </p:spPr>
-        <p:txBody>
-          <a:bodyPr/>
-          <a:lstStyle/>
-          <a:p>
-            <a:pPr>
-              <a:lnSpc>
-                <a:spcPct val="50000"/>
-              </a:lnSpc>
-              <a:buFont typeface="Wingdings" charset="0"/>
-              <a:buChar char="Ø"/>
-            </a:pPr>
-            <a:r>
-              <a:rPr lang="en-US" dirty="0" smtClean="0"/>
-              <a:t>&gt;10% chance of becoming elite</a:t>
-            </a:r>
-          </a:p>
-          <a:p>
-            <a:pPr>
-              <a:lnSpc>
-                <a:spcPct val="50000"/>
-              </a:lnSpc>
-              <a:buFont typeface="Wingdings" charset="0"/>
-              <a:buChar char="Ø"/>
-            </a:pPr>
-            <a:r>
-              <a:rPr lang="en-US" dirty="0"/>
-              <a:t> </a:t>
-            </a:r>
-            <a:r>
-              <a:rPr lang="en-US" dirty="0" smtClean="0"/>
-              <a:t>Reduces anomalies</a:t>
-            </a:r>
-          </a:p>
-          <a:p>
-            <a:pPr>
-              <a:lnSpc>
-                <a:spcPct val="50000"/>
-              </a:lnSpc>
-              <a:buFont typeface="Wingdings" charset="0"/>
-              <a:buChar char="Ø"/>
-            </a:pPr>
-            <a:r>
-              <a:rPr lang="en-US" dirty="0" smtClean="0"/>
-              <a:t> Eliminates ‘fake’ accounts </a:t>
-            </a:r>
-            <a:r>
-              <a:rPr lang="en-US" dirty="0" err="1" smtClean="0"/>
-              <a:t>ie</a:t>
-            </a:r>
-            <a:r>
-              <a:rPr lang="en-US" dirty="0" smtClean="0"/>
-              <a:t>, people who</a:t>
-            </a:r>
-          </a:p>
-          <a:p>
-            <a:pPr marL="0" indent="0">
-              <a:lnSpc>
-                <a:spcPct val="50000"/>
-              </a:lnSpc>
-              <a:buNone/>
-            </a:pPr>
-            <a:r>
-              <a:rPr lang="en-US" dirty="0"/>
-              <a:t> </a:t>
-            </a:r>
-            <a:r>
-              <a:rPr lang="en-US" dirty="0" smtClean="0"/>
-              <a:t>   </a:t>
-            </a:r>
-            <a:r>
-              <a:rPr lang="en-US" dirty="0" smtClean="0"/>
-              <a:t> have average ratings at 5 or 1</a:t>
-            </a:r>
-          </a:p>
-          <a:p>
-            <a:pPr marL="0" indent="0">
-              <a:buNone/>
-            </a:pPr>
-            <a:endParaRPr lang="en-US" dirty="0"/>
-          </a:p>
-        </p:txBody>
-      </p:sp>
       <p:pic>
         <p:nvPicPr>
-          <p:cNvPr id="8" name="Picture 7" descr="Screen Shot 2016-01-25 at 7.44.57 PM.png"/>
+          <p:cNvPr id="5" name="Picture 4" descr="Screen Shot 2016-01-26 at 7.21.52 PM.png"/>
           <p:cNvPicPr>
             <a:picLocks noChangeAspect="1"/>
           </p:cNvPicPr>
@@ -7702,8 +8063,8 @@
         </p:blipFill>
         <p:spPr>
           <a:xfrm>
-            <a:off x="288572" y="606661"/>
-            <a:ext cx="4791643" cy="2360809"/>
+            <a:off x="990600" y="932441"/>
+            <a:ext cx="4622800" cy="2921000"/>
           </a:xfrm>
           <a:prstGeom prst="rect">
             <a:avLst/>
@@ -7712,18 +8073,94 @@
       </p:pic>
       <p:sp>
         <p:nvSpPr>
-          <p:cNvPr id="2" name="Explosion 1 1"/>
+          <p:cNvPr id="6" name="TextBox 5"/>
+          <p:cNvSpPr txBox="1"/>
+          <p:nvPr/>
+        </p:nvSpPr>
+        <p:spPr>
+          <a:xfrm>
+            <a:off x="1403685" y="4010526"/>
+            <a:ext cx="2505814" cy="369332"/>
+          </a:xfrm>
+          <a:prstGeom prst="rect">
+            <a:avLst/>
+          </a:prstGeom>
+          <a:noFill/>
+        </p:spPr>
+        <p:txBody>
+          <a:bodyPr wrap="none" rtlCol="0">
+            <a:spAutoFit/>
+          </a:bodyPr>
+          <a:lstStyle/>
+          <a:p>
+            <a:r>
+              <a:rPr lang="en-US" dirty="0" smtClean="0"/>
+              <a:t>Imbalanced dataset</a:t>
+            </a:r>
+          </a:p>
+        </p:txBody>
+      </p:sp>
+      <p:sp>
+        <p:nvSpPr>
+          <p:cNvPr id="7" name="Right Arrow 6"/>
           <p:cNvSpPr/>
           <p:nvPr/>
         </p:nvSpPr>
         <p:spPr>
-          <a:xfrm rot="882733">
-            <a:off x="5285512" y="1577712"/>
-            <a:ext cx="3635375" cy="2951163"/>
-          </a:xfrm>
-          <a:prstGeom prst="irregularSeal1">
+          <a:xfrm rot="1299674">
+            <a:off x="3294551" y="4526393"/>
+            <a:ext cx="863027" cy="360947"/>
+          </a:xfrm>
+          <a:prstGeom prst="rightArrow">
             <a:avLst/>
           </a:prstGeom>
+          <a:gradFill flip="none" rotWithShape="1">
+            <a:gsLst>
+              <a:gs pos="0">
+                <a:schemeClr val="accent1">
+                  <a:shade val="70000"/>
+                  <a:satMod val="120000"/>
+                </a:schemeClr>
+              </a:gs>
+              <a:gs pos="35000">
+                <a:schemeClr val="accent1">
+                  <a:shade val="100000"/>
+                  <a:satMod val="150000"/>
+                </a:schemeClr>
+              </a:gs>
+              <a:gs pos="70000">
+                <a:schemeClr val="accent1">
+                  <a:tint val="100000"/>
+                  <a:shade val="100000"/>
+                  <a:satMod val="200000"/>
+                  <a:greenMod val="100000"/>
+                </a:schemeClr>
+              </a:gs>
+              <a:gs pos="100000">
+                <a:schemeClr val="accent1">
+                  <a:tint val="100000"/>
+                  <a:shade val="100000"/>
+                  <a:satMod val="250000"/>
+                  <a:greenMod val="100000"/>
+                </a:schemeClr>
+              </a:gs>
+            </a:gsLst>
+            <a:lin ang="16200000" scaled="1"/>
+            <a:tileRect/>
+          </a:gradFill>
+          <a:effectLst>
+            <a:glow rad="63500">
+              <a:schemeClr val="accent1">
+                <a:satMod val="175000"/>
+                <a:alpha val="40000"/>
+              </a:schemeClr>
+            </a:glow>
+            <a:innerShdw blurRad="190500" dist="63500" dir="5400000">
+              <a:srgbClr val="FFFFFF">
+                <a:alpha val="65000"/>
+              </a:srgbClr>
+            </a:innerShdw>
+          </a:effectLst>
         </p:spPr>
         <p:style>
           <a:lnRef idx="1">
@@ -7744,86 +8181,54 @@
           <a:lstStyle/>
           <a:p>
             <a:pPr algn="ctr"/>
-            <a:r>
-              <a:rPr lang="en-US" dirty="0" smtClean="0"/>
-              <a:t>Write more reviews!!!</a:t>
-            </a:r>
-            <a:endParaRPr lang="en-US" dirty="0"/>
-          </a:p>
-        </p:txBody>
-      </p:sp>
-      <p:pic>
-        <p:nvPicPr>
-          <p:cNvPr id="5" name="Picture 4" descr="Screen Shot 2016-01-25 at 9.43.09 PM.png"/>
-          <p:cNvPicPr>
-            <a:picLocks noChangeAspect="1"/>
-          </p:cNvPicPr>
+            <a:endParaRPr lang="en-US"/>
+          </a:p>
+        </p:txBody>
+      </p:sp>
+      <p:sp>
+        <p:nvSpPr>
+          <p:cNvPr id="8" name="TextBox 7"/>
+          <p:cNvSpPr txBox="1"/>
           <p:nvPr/>
-        </p:nvPicPr>
-        <p:blipFill>
-          <a:blip r:embed="rId3">
-            <a:extLst>
-              <a:ext uri="{28A0092B-C50C-407E-A947-70E740481C1C}">
-                <a14:useLocalDpi xmlns:a14="http://schemas.microsoft.com/office/drawing/2010/main" val="0"/>
-              </a:ext>
-            </a:extLst>
-          </a:blip>
-          <a:stretch>
-            <a:fillRect/>
-          </a:stretch>
-        </p:blipFill>
-        <p:spPr>
-          <a:xfrm>
-            <a:off x="820891" y="4437155"/>
-            <a:ext cx="3480685" cy="2261958"/>
+        </p:nvSpPr>
+        <p:spPr>
+          <a:xfrm>
+            <a:off x="3765932" y="5013158"/>
+            <a:ext cx="3303045" cy="646331"/>
           </a:xfrm>
           <a:prstGeom prst="rect">
             <a:avLst/>
           </a:prstGeom>
-        </p:spPr>
-      </p:pic>
-      <p:pic>
-        <p:nvPicPr>
-          <p:cNvPr id="6" name="Picture 5" descr="Screen Shot 2016-01-25 at 9.38.17 PM.png"/>
-          <p:cNvPicPr>
-            <a:picLocks noChangeAspect="1"/>
-          </p:cNvPicPr>
-          <p:nvPr/>
-        </p:nvPicPr>
-        <p:blipFill>
-          <a:blip r:embed="rId4">
-            <a:extLst>
-              <a:ext uri="{28A0092B-C50C-407E-A947-70E740481C1C}">
-                <a14:useLocalDpi xmlns:a14="http://schemas.microsoft.com/office/drawing/2010/main" val="0"/>
-              </a:ext>
-            </a:extLst>
-          </a:blip>
-          <a:stretch>
-            <a:fillRect/>
-          </a:stretch>
-        </p:blipFill>
-        <p:spPr>
-          <a:xfrm>
-            <a:off x="4970362" y="4457001"/>
-            <a:ext cx="3894845" cy="2242112"/>
-          </a:xfrm>
-          <a:prstGeom prst="rect">
-            <a:avLst/>
-          </a:prstGeom>
-        </p:spPr>
-      </p:pic>
-      <p:sp>
-        <p:nvSpPr>
-          <p:cNvPr id="9" name="Right Arrow 8"/>
+          <a:noFill/>
+        </p:spPr>
+        <p:txBody>
+          <a:bodyPr wrap="none" rtlCol="0">
+            <a:spAutoFit/>
+          </a:bodyPr>
+          <a:lstStyle/>
+          <a:p>
+            <a:r>
+              <a:rPr lang="en-US" dirty="0" smtClean="0"/>
+              <a:t>Under-sampling &amp; Modeling</a:t>
+            </a:r>
+          </a:p>
+          <a:p>
+            <a:endParaRPr lang="en-US" dirty="0"/>
+          </a:p>
+        </p:txBody>
+      </p:sp>
+      <p:sp>
+        <p:nvSpPr>
+          <p:cNvPr id="9" name="Multiply 8"/>
           <p:cNvSpPr/>
           <p:nvPr/>
         </p:nvSpPr>
         <p:spPr>
           <a:xfrm>
-            <a:off x="4301576" y="5411788"/>
-            <a:ext cx="668786" cy="350326"/>
-          </a:xfrm>
-          <a:prstGeom prst="rightArrow">
+            <a:off x="6483684" y="5227053"/>
+            <a:ext cx="1403684" cy="1163052"/>
+          </a:xfrm>
+          <a:prstGeom prst="mathMultiply">
             <a:avLst/>
           </a:prstGeom>
         </p:spPr>
@@ -7852,7 +8257,45 @@
       </p:sp>
       <p:sp>
         <p:nvSpPr>
-          <p:cNvPr id="10" name="Title 1"/>
+          <p:cNvPr id="10" name="TextBox 9"/>
+          <p:cNvSpPr txBox="1"/>
+          <p:nvPr/>
+        </p:nvSpPr>
+        <p:spPr>
+          <a:xfrm>
+            <a:off x="2526632" y="695155"/>
+            <a:ext cx="2163648" cy="369332"/>
+          </a:xfrm>
+          <a:prstGeom prst="rect">
+            <a:avLst/>
+          </a:prstGeom>
+          <a:noFill/>
+        </p:spPr>
+        <p:txBody>
+          <a:bodyPr wrap="none" rtlCol="0">
+            <a:spAutoFit/>
+          </a:bodyPr>
+          <a:lstStyle/>
+          <a:p>
+            <a:r>
+              <a:rPr lang="en-US" dirty="0" smtClean="0"/>
+              <a:t>Elites </a:t>
+            </a:r>
+            <a:r>
+              <a:rPr lang="en-US" dirty="0" err="1" smtClean="0"/>
+              <a:t>vs</a:t>
+            </a:r>
+            <a:r>
+              <a:rPr lang="en-US" dirty="0" smtClean="0"/>
+              <a:t> Non-elites</a:t>
+            </a:r>
+            <a:endParaRPr lang="en-US" dirty="0"/>
+          </a:p>
+        </p:txBody>
+      </p:sp>
+      <p:sp>
+        <p:nvSpPr>
+          <p:cNvPr id="11" name="Title 1"/>
           <p:cNvSpPr>
             <a:spLocks noGrp="1"/>
           </p:cNvSpPr>
@@ -7862,7 +8305,7 @@
         </p:nvSpPr>
         <p:spPr>
           <a:xfrm>
-            <a:off x="178407" y="-524520"/>
+            <a:off x="178407" y="-571500"/>
             <a:ext cx="6508377" cy="1143000"/>
           </a:xfrm>
         </p:spPr>
@@ -7872,7 +8315,7 @@
           <a:p>
             <a:r>
               <a:rPr lang="en-US" dirty="0" smtClean="0"/>
-              <a:t>Data Cleaning</a:t>
+              <a:t>Initial trial with no cleaning</a:t>
             </a:r>
             <a:endParaRPr lang="en-US" dirty="0"/>
           </a:p>
@@ -7881,7 +8324,7 @@
     </p:spTree>
     <p:extLst>
       <p:ext uri="{BB962C8B-B14F-4D97-AF65-F5344CB8AC3E}">
-        <p14:creationId xmlns:p14="http://schemas.microsoft.com/office/powerpoint/2010/main" val="689270082"/>
+        <p14:creationId xmlns:p14="http://schemas.microsoft.com/office/powerpoint/2010/main" val="3604416616"/>
       </p:ext>
     </p:extLst>
   </p:cSld>
@@ -7917,7 +8360,7 @@
       </p:grpSpPr>
       <p:sp>
         <p:nvSpPr>
-          <p:cNvPr id="5" name="Content Placeholder 4"/>
+          <p:cNvPr id="7" name="Content Placeholder 6"/>
           <p:cNvSpPr>
             <a:spLocks noGrp="1"/>
           </p:cNvSpPr>
@@ -7927,52 +8370,91 @@
         </p:nvSpPr>
         <p:spPr>
           <a:xfrm>
-            <a:off x="536222" y="4898100"/>
-            <a:ext cx="4750132" cy="1836385"/>
+            <a:off x="288572" y="4122087"/>
+            <a:ext cx="5709687" cy="2358496"/>
           </a:xfrm>
         </p:spPr>
         <p:txBody>
           <a:bodyPr/>
           <a:lstStyle/>
           <a:p>
+            <a:pPr>
+              <a:lnSpc>
+                <a:spcPct val="50000"/>
+              </a:lnSpc>
+              <a:buFont typeface="Wingdings" charset="0"/>
+              <a:buChar char="Ø"/>
+            </a:pPr>
+            <a:r>
+              <a:rPr lang="en-US" dirty="0" smtClean="0"/>
+              <a:t>&gt;10% chance of becoming elite</a:t>
+            </a:r>
+          </a:p>
+          <a:p>
+            <a:pPr>
+              <a:lnSpc>
+                <a:spcPct val="50000"/>
+              </a:lnSpc>
+              <a:buFont typeface="Wingdings" charset="0"/>
+              <a:buChar char="Ø"/>
+            </a:pPr>
+            <a:r>
+              <a:rPr lang="en-US" dirty="0"/>
+              <a:t> </a:t>
+            </a:r>
+            <a:r>
+              <a:rPr lang="en-US" dirty="0" smtClean="0"/>
+              <a:t>Reduces anomalies</a:t>
+            </a:r>
+          </a:p>
+          <a:p>
+            <a:pPr>
+              <a:lnSpc>
+                <a:spcPct val="50000"/>
+              </a:lnSpc>
+              <a:buFont typeface="Wingdings" charset="0"/>
+              <a:buChar char="Ø"/>
+            </a:pPr>
+            <a:r>
+              <a:rPr lang="en-US" dirty="0" smtClean="0"/>
+              <a:t> Eliminates ‘fake’ accounts </a:t>
+            </a:r>
+            <a:r>
+              <a:rPr lang="en-US" dirty="0" err="1" smtClean="0"/>
+              <a:t>ie</a:t>
+            </a:r>
+            <a:r>
+              <a:rPr lang="en-US" dirty="0" smtClean="0"/>
+              <a:t>, people who</a:t>
+            </a:r>
+          </a:p>
+          <a:p>
             <a:pPr marL="0" indent="0">
+              <a:lnSpc>
+                <a:spcPct val="50000"/>
+              </a:lnSpc>
               <a:buNone/>
             </a:pPr>
             <a:r>
+              <a:rPr lang="en-US" dirty="0"/>
+              <a:t> </a:t>
+            </a:r>
+            <a:r>
               <a:rPr lang="en-US" dirty="0" smtClean="0"/>
-              <a:t>PCA using 2 </a:t>
-            </a:r>
-            <a:r>
-              <a:rPr lang="en-US" dirty="0" smtClean="0"/>
-              <a:t>components</a:t>
+              <a:t>    have average ratings at 5 or 1</a:t>
             </a:r>
           </a:p>
           <a:p>
             <a:pPr marL="0" indent="0">
               <a:buNone/>
             </a:pPr>
-            <a:r>
-              <a:rPr lang="en-US" dirty="0" smtClean="0"/>
-              <a:t>on standardized data</a:t>
-            </a:r>
-          </a:p>
-          <a:p>
-            <a:pPr marL="0" indent="0">
-              <a:buNone/>
-            </a:pPr>
-            <a:endParaRPr lang="en-US" dirty="0" smtClean="0"/>
-          </a:p>
-          <a:p>
-            <a:pPr marL="0" indent="0">
-              <a:buNone/>
-            </a:pPr>
-            <a:endParaRPr lang="en-US" dirty="0" smtClean="0"/>
+            <a:endParaRPr lang="en-US" dirty="0"/>
           </a:p>
         </p:txBody>
       </p:sp>
       <p:pic>
         <p:nvPicPr>
-          <p:cNvPr id="6" name="Picture 5" descr="PCA.png"/>
+          <p:cNvPr id="8" name="Picture 7" descr="Screen Shot 2016-01-25 at 7.44.57 PM.png"/>
           <p:cNvPicPr>
             <a:picLocks noChangeAspect="1"/>
           </p:cNvPicPr>
@@ -7992,47 +8474,59 @@
         </p:blipFill>
         <p:spPr>
           <a:xfrm>
-            <a:off x="4049890" y="2215444"/>
-            <a:ext cx="4078111" cy="4078111"/>
+            <a:off x="288572" y="1288201"/>
+            <a:ext cx="4791643" cy="2360809"/>
           </a:xfrm>
           <a:prstGeom prst="rect">
             <a:avLst/>
           </a:prstGeom>
         </p:spPr>
       </p:pic>
-      <p:pic>
-        <p:nvPicPr>
-          <p:cNvPr id="8" name="Picture 7" descr="Screen Shot 2016-01-25 at 9.22.18 PM.png"/>
-          <p:cNvPicPr>
-            <a:picLocks noChangeAspect="1"/>
-          </p:cNvPicPr>
+      <p:sp>
+        <p:nvSpPr>
+          <p:cNvPr id="2" name="Explosion 1 1"/>
+          <p:cNvSpPr/>
           <p:nvPr/>
-        </p:nvPicPr>
-        <p:blipFill>
-          <a:blip r:embed="rId3">
-            <a:extLst>
-              <a:ext uri="{28A0092B-C50C-407E-A947-70E740481C1C}">
-                <a14:useLocalDpi xmlns:a14="http://schemas.microsoft.com/office/drawing/2010/main" val="0"/>
-              </a:ext>
-            </a:extLst>
-          </a:blip>
-          <a:stretch>
-            <a:fillRect/>
-          </a:stretch>
-        </p:blipFill>
-        <p:spPr>
-          <a:xfrm>
-            <a:off x="252595" y="914400"/>
-            <a:ext cx="3676686" cy="3697112"/>
-          </a:xfrm>
-          <a:prstGeom prst="rect">
+        </p:nvSpPr>
+        <p:spPr>
+          <a:xfrm rot="882733">
+            <a:off x="5285512" y="2119860"/>
+            <a:ext cx="3635375" cy="2951163"/>
+          </a:xfrm>
+          <a:prstGeom prst="irregularSeal1">
             <a:avLst/>
           </a:prstGeom>
         </p:spPr>
-      </p:pic>
-      <p:sp>
-        <p:nvSpPr>
-          <p:cNvPr id="7" name="Title 1"/>
+        <p:style>
+          <a:lnRef idx="1">
+            <a:schemeClr val="accent1"/>
+          </a:lnRef>
+          <a:fillRef idx="3">
+            <a:schemeClr val="accent1"/>
+          </a:fillRef>
+          <a:effectRef idx="2">
+            <a:schemeClr val="accent1"/>
+          </a:effectRef>
+          <a:fontRef idx="minor">
+            <a:schemeClr val="lt1"/>
+          </a:fontRef>
+        </p:style>
+        <p:txBody>
+          <a:bodyPr rtlCol="0" anchor="ctr"/>
+          <a:lstStyle/>
+          <a:p>
+            <a:pPr algn="ctr"/>
+            <a:r>
+              <a:rPr lang="en-US" dirty="0" smtClean="0"/>
+              <a:t>Write more reviews!!!</a:t>
+            </a:r>
+            <a:endParaRPr lang="en-US" dirty="0"/>
+          </a:p>
+        </p:txBody>
+      </p:sp>
+      <p:sp>
+        <p:nvSpPr>
+          <p:cNvPr id="10" name="Title 1"/>
           <p:cNvSpPr>
             <a:spLocks noGrp="1"/>
           </p:cNvSpPr>
@@ -8042,7 +8536,7 @@
         </p:nvSpPr>
         <p:spPr>
           <a:xfrm>
-            <a:off x="457199" y="-228600"/>
+            <a:off x="178407" y="0"/>
             <a:ext cx="6508377" cy="1143000"/>
           </a:xfrm>
         </p:spPr>
@@ -8052,7 +8546,7 @@
           <a:p>
             <a:r>
               <a:rPr lang="en-US" dirty="0" smtClean="0"/>
-              <a:t>PCA</a:t>
+              <a:t>Data Cleaning- &gt;50 reviews</a:t>
             </a:r>
             <a:endParaRPr lang="en-US" dirty="0"/>
           </a:p>
@@ -8061,7 +8555,7 @@
     </p:spTree>
     <p:extLst>
       <p:ext uri="{BB962C8B-B14F-4D97-AF65-F5344CB8AC3E}">
-        <p14:creationId xmlns:p14="http://schemas.microsoft.com/office/powerpoint/2010/main" val="755634140"/>
+        <p14:creationId xmlns:p14="http://schemas.microsoft.com/office/powerpoint/2010/main" val="689270082"/>
       </p:ext>
     </p:extLst>
   </p:cSld>
@@ -8095,63 +8589,39 @@
           <a:chExt cx="0" cy="0"/>
         </a:xfrm>
       </p:grpSpPr>
-      <p:sp>
-        <p:nvSpPr>
-          <p:cNvPr id="3" name="Content Placeholder 2"/>
-          <p:cNvSpPr>
-            <a:spLocks noGrp="1"/>
-          </p:cNvSpPr>
-          <p:nvPr>
-            <p:ph idx="1"/>
-          </p:nvPr>
-        </p:nvSpPr>
-        <p:spPr>
-          <a:xfrm>
-            <a:off x="4146924" y="610300"/>
-            <a:ext cx="5018243" cy="2090385"/>
-          </a:xfrm>
-        </p:spPr>
-        <p:txBody>
-          <a:bodyPr/>
-          <a:lstStyle/>
-          <a:p>
-            <a:pPr marL="0" indent="0">
-              <a:buNone/>
-            </a:pPr>
-            <a:r>
-              <a:rPr lang="en-US" dirty="0" smtClean="0"/>
-              <a:t>Unequal distribution of </a:t>
-            </a:r>
-          </a:p>
-          <a:p>
-            <a:pPr marL="0" indent="0">
-              <a:buNone/>
-            </a:pPr>
-            <a:r>
-              <a:rPr lang="en-US" dirty="0" smtClean="0"/>
-              <a:t>elites based on average </a:t>
-            </a:r>
-          </a:p>
-          <a:p>
-            <a:pPr marL="0" indent="0">
-              <a:buNone/>
-            </a:pPr>
-            <a:r>
-              <a:rPr lang="en-US" dirty="0" smtClean="0"/>
-              <a:t>star ratings</a:t>
-            </a:r>
-          </a:p>
-          <a:p>
-            <a:pPr marL="0" indent="0">
-              <a:buNone/>
-            </a:pPr>
-            <a:endParaRPr lang="en-US" dirty="0"/>
-          </a:p>
-        </p:txBody>
-      </p:sp>
       <p:pic>
         <p:nvPicPr>
-          <p:cNvPr id="4" name="Picture 3" descr="Screen Shot 2016-01-25 at 9.25.55 PM.png"/>
+          <p:cNvPr id="4" name="Picture 3" descr="Screen Shot 2016-01-26 at 6.18.47 PM.png"/>
+          <p:cNvPicPr>
+            <a:picLocks noChangeAspect="1"/>
+          </p:cNvPicPr>
+          <p:nvPr/>
+        </p:nvPicPr>
+        <p:blipFill>
+          <a:blip r:embed="rId2">
+            <a:extLst>
+              <a:ext uri="{28A0092B-C50C-407E-A947-70E740481C1C}">
+                <a14:useLocalDpi xmlns:a14="http://schemas.microsoft.com/office/drawing/2010/main" val="0"/>
+              </a:ext>
+            </a:extLst>
+          </a:blip>
+          <a:stretch>
+            <a:fillRect/>
+          </a:stretch>
+        </p:blipFill>
+        <p:spPr>
+          <a:xfrm>
+            <a:off x="418182" y="2358720"/>
+            <a:ext cx="7966877" cy="1443868"/>
+          </a:xfrm>
+          <a:prstGeom prst="rect">
+            <a:avLst/>
+          </a:prstGeom>
+        </p:spPr>
+      </p:pic>
+      <p:pic>
+        <p:nvPicPr>
+          <p:cNvPr id="5" name="Picture 4" descr="Screen Shot 2016-01-26 at 6.21.44 PM.png"/>
           <p:cNvPicPr>
             <a:picLocks noChangeAspect="1"/>
           </p:cNvPicPr>
@@ -8171,156 +8641,28 @@
         </p:blipFill>
         <p:spPr>
           <a:xfrm>
-            <a:off x="0" y="353658"/>
-            <a:ext cx="4254500" cy="2753607"/>
+            <a:off x="418181" y="4190345"/>
+            <a:ext cx="7966877" cy="1206792"/>
           </a:xfrm>
           <a:prstGeom prst="rect">
             <a:avLst/>
           </a:prstGeom>
         </p:spPr>
       </p:pic>
-      <p:pic>
-        <p:nvPicPr>
-          <p:cNvPr id="5" name="Picture 4" descr="Screen Shot 2016-01-25 at 9.24.08 PM.png"/>
-          <p:cNvPicPr>
-            <a:picLocks noChangeAspect="1"/>
-          </p:cNvPicPr>
-          <p:nvPr/>
-        </p:nvPicPr>
-        <p:blipFill>
-          <a:blip r:embed="rId4">
-            <a:extLst>
-              <a:ext uri="{28A0092B-C50C-407E-A947-70E740481C1C}">
-                <a14:useLocalDpi xmlns:a14="http://schemas.microsoft.com/office/drawing/2010/main" val="0"/>
-              </a:ext>
-            </a:extLst>
-          </a:blip>
-          <a:stretch>
-            <a:fillRect/>
-          </a:stretch>
-        </p:blipFill>
-        <p:spPr>
-          <a:xfrm>
-            <a:off x="243416" y="2978768"/>
-            <a:ext cx="4001227" cy="2679082"/>
-          </a:xfrm>
-          <a:prstGeom prst="rect">
-            <a:avLst/>
-          </a:prstGeom>
-        </p:spPr>
-      </p:pic>
-      <p:pic>
-        <p:nvPicPr>
-          <p:cNvPr id="6" name="Picture 5" descr="Screen Shot 2016-01-25 at 9.24.14 PM.png"/>
-          <p:cNvPicPr>
-            <a:picLocks noChangeAspect="1"/>
-          </p:cNvPicPr>
-          <p:nvPr/>
-        </p:nvPicPr>
-        <p:blipFill>
-          <a:blip r:embed="rId5">
-            <a:extLst>
-              <a:ext uri="{28A0092B-C50C-407E-A947-70E740481C1C}">
-                <a14:useLocalDpi xmlns:a14="http://schemas.microsoft.com/office/drawing/2010/main" val="0"/>
-              </a:ext>
-            </a:extLst>
-          </a:blip>
-          <a:stretch>
-            <a:fillRect/>
-          </a:stretch>
-        </p:blipFill>
-        <p:spPr>
-          <a:xfrm>
-            <a:off x="4536017" y="2999935"/>
-            <a:ext cx="4036484" cy="2679082"/>
-          </a:xfrm>
-          <a:prstGeom prst="rect">
-            <a:avLst/>
-          </a:prstGeom>
-        </p:spPr>
-      </p:pic>
-      <p:sp>
-        <p:nvSpPr>
-          <p:cNvPr id="7" name="TextBox 6"/>
-          <p:cNvSpPr txBox="1"/>
-          <p:nvPr/>
-        </p:nvSpPr>
-        <p:spPr>
-          <a:xfrm>
-            <a:off x="677334" y="5905500"/>
-            <a:ext cx="2641431" cy="646331"/>
-          </a:xfrm>
-          <a:prstGeom prst="rect">
-            <a:avLst/>
-          </a:prstGeom>
-          <a:noFill/>
-        </p:spPr>
-        <p:txBody>
-          <a:bodyPr wrap="none" rtlCol="0">
-            <a:spAutoFit/>
-          </a:bodyPr>
-          <a:lstStyle/>
-          <a:p>
-            <a:r>
-              <a:rPr lang="en-US" dirty="0" smtClean="0"/>
-              <a:t>Average stars &gt; 3 stars</a:t>
-            </a:r>
-          </a:p>
-          <a:p>
-            <a:r>
-              <a:rPr lang="en-US" dirty="0" smtClean="0"/>
-              <a:t>Review count 100-200</a:t>
-            </a:r>
-          </a:p>
-        </p:txBody>
-      </p:sp>
-      <p:sp>
-        <p:nvSpPr>
-          <p:cNvPr id="8" name="TextBox 7"/>
-          <p:cNvSpPr txBox="1"/>
-          <p:nvPr/>
-        </p:nvSpPr>
-        <p:spPr>
-          <a:xfrm>
-            <a:off x="5126566" y="5930901"/>
-            <a:ext cx="2641431" cy="646331"/>
-          </a:xfrm>
-          <a:prstGeom prst="rect">
-            <a:avLst/>
-          </a:prstGeom>
-          <a:noFill/>
-        </p:spPr>
-        <p:txBody>
-          <a:bodyPr wrap="none" rtlCol="0">
-            <a:spAutoFit/>
-          </a:bodyPr>
-          <a:lstStyle/>
-          <a:p>
-            <a:r>
-              <a:rPr lang="en-US" dirty="0" smtClean="0"/>
-              <a:t>Average stars &lt; 3 stars</a:t>
-            </a:r>
-          </a:p>
-          <a:p>
-            <a:r>
-              <a:rPr lang="en-US" dirty="0" smtClean="0"/>
-              <a:t>Review count 100-200</a:t>
-            </a:r>
-          </a:p>
-        </p:txBody>
-      </p:sp>
-      <p:sp>
-        <p:nvSpPr>
-          <p:cNvPr id="2" name="Explosion 1 1"/>
+      <p:sp>
+        <p:nvSpPr>
+          <p:cNvPr id="6" name="Action Button: Help 5">
+            <a:hlinkClick r:id="" action="ppaction://noaction" highlightClick="1"/>
+          </p:cNvPr>
           <p:cNvSpPr/>
           <p:nvPr/>
         </p:nvSpPr>
         <p:spPr>
-          <a:xfrm rot="172643">
-            <a:off x="5823661" y="1781292"/>
-            <a:ext cx="2973785" cy="2323433"/>
-          </a:xfrm>
-          <a:prstGeom prst="irregularSeal1">
+          <a:xfrm rot="19263337">
+            <a:off x="1937410" y="556936"/>
+            <a:ext cx="1483068" cy="1222184"/>
+          </a:xfrm>
+          <a:prstGeom prst="actionButtonHelp">
             <a:avLst/>
           </a:prstGeom>
         </p:spPr>
@@ -8343,9 +8685,33 @@
           <a:lstStyle/>
           <a:p>
             <a:pPr algn="ctr"/>
+            <a:endParaRPr lang="en-US"/>
+          </a:p>
+        </p:txBody>
+      </p:sp>
+      <p:sp>
+        <p:nvSpPr>
+          <p:cNvPr id="7" name="Title 1"/>
+          <p:cNvSpPr>
+            <a:spLocks noGrp="1"/>
+          </p:cNvSpPr>
+          <p:nvPr>
+            <p:ph type="title"/>
+          </p:nvPr>
+        </p:nvSpPr>
+        <p:spPr>
+          <a:xfrm>
+            <a:off x="3825650" y="1022311"/>
+            <a:ext cx="3139926" cy="759504"/>
+          </a:xfrm>
+        </p:spPr>
+        <p:txBody>
+          <a:bodyPr/>
+          <a:lstStyle/>
+          <a:p>
             <a:r>
               <a:rPr lang="en-US" dirty="0" smtClean="0"/>
-              <a:t>Be Positive!!</a:t>
+              <a:t>Anomalies</a:t>
             </a:r>
             <a:endParaRPr lang="en-US" dirty="0"/>
           </a:p>
@@ -8354,7 +8720,7 @@
     </p:spTree>
     <p:extLst>
       <p:ext uri="{BB962C8B-B14F-4D97-AF65-F5344CB8AC3E}">
-        <p14:creationId xmlns:p14="http://schemas.microsoft.com/office/powerpoint/2010/main" val="4176339347"/>
+        <p14:creationId xmlns:p14="http://schemas.microsoft.com/office/powerpoint/2010/main" val="88137245"/>
       </p:ext>
     </p:extLst>
   </p:cSld>
@@ -8388,90 +8754,9 @@
           <a:chExt cx="0" cy="0"/>
         </a:xfrm>
       </p:grpSpPr>
-      <p:sp>
-        <p:nvSpPr>
-          <p:cNvPr id="2" name="Title 1"/>
-          <p:cNvSpPr>
-            <a:spLocks noGrp="1"/>
-          </p:cNvSpPr>
-          <p:nvPr>
-            <p:ph type="title"/>
-          </p:nvPr>
-        </p:nvSpPr>
-        <p:spPr>
-          <a:xfrm>
-            <a:off x="457199" y="-400620"/>
-            <a:ext cx="6508377" cy="1143000"/>
-          </a:xfrm>
-        </p:spPr>
-        <p:txBody>
-          <a:bodyPr/>
-          <a:lstStyle/>
-          <a:p>
-            <a:r>
-              <a:rPr lang="en-US" dirty="0" smtClean="0"/>
-              <a:t>Model</a:t>
-            </a:r>
-            <a:endParaRPr lang="en-US" dirty="0"/>
-          </a:p>
-        </p:txBody>
-      </p:sp>
-      <p:sp>
-        <p:nvSpPr>
-          <p:cNvPr id="3" name="Content Placeholder 2"/>
-          <p:cNvSpPr>
-            <a:spLocks noGrp="1"/>
-          </p:cNvSpPr>
-          <p:nvPr>
-            <p:ph idx="1"/>
-          </p:nvPr>
-        </p:nvSpPr>
-        <p:spPr>
-          <a:xfrm>
-            <a:off x="333291" y="753755"/>
-            <a:ext cx="6508377" cy="3916363"/>
-          </a:xfrm>
-        </p:spPr>
-        <p:txBody>
-          <a:bodyPr/>
-          <a:lstStyle/>
-          <a:p>
-            <a:pPr marL="0" indent="0">
-              <a:buNone/>
-            </a:pPr>
-            <a:r>
-              <a:rPr lang="en-US" dirty="0" smtClean="0"/>
-              <a:t>Support Vector Machine</a:t>
-            </a:r>
-          </a:p>
-          <a:p>
-            <a:pPr marL="0" indent="0">
-              <a:buNone/>
-            </a:pPr>
-            <a:r>
-              <a:rPr lang="en-US" dirty="0" smtClean="0"/>
-              <a:t>(C=1, kernel =‘</a:t>
-            </a:r>
-            <a:r>
-              <a:rPr lang="en-US" dirty="0" err="1" smtClean="0"/>
-              <a:t>rbf</a:t>
-            </a:r>
-            <a:r>
-              <a:rPr lang="en-US" dirty="0" smtClean="0"/>
-              <a:t>’)</a:t>
-            </a:r>
-          </a:p>
-          <a:p>
-            <a:pPr marL="0" indent="0">
-              <a:buNone/>
-            </a:pPr>
-            <a:endParaRPr lang="en-US" dirty="0"/>
-          </a:p>
-        </p:txBody>
-      </p:sp>
       <p:pic>
         <p:nvPicPr>
-          <p:cNvPr id="5" name="Picture 4" descr="Screen Shot 2016-01-25 at 9.48.56 PM.png"/>
+          <p:cNvPr id="4" name="Picture 3" descr="Screen Shot 2016-01-25 at 9.43.09 PM.png"/>
           <p:cNvPicPr>
             <a:picLocks noChangeAspect="1"/>
           </p:cNvPicPr>
@@ -8491,61 +8776,17 @@
         </p:blipFill>
         <p:spPr>
           <a:xfrm>
-            <a:off x="457199" y="1827741"/>
-            <a:ext cx="5334000" cy="1587500"/>
+            <a:off x="604053" y="2361555"/>
+            <a:ext cx="3480685" cy="2261958"/>
           </a:xfrm>
           <a:prstGeom prst="rect">
             <a:avLst/>
           </a:prstGeom>
         </p:spPr>
       </p:pic>
-      <p:sp>
-        <p:nvSpPr>
-          <p:cNvPr id="7" name="TextBox 6"/>
-          <p:cNvSpPr txBox="1"/>
-          <p:nvPr/>
-        </p:nvSpPr>
-        <p:spPr>
-          <a:xfrm>
-            <a:off x="5791199" y="1827741"/>
-            <a:ext cx="2633039" cy="1477328"/>
-          </a:xfrm>
-          <a:prstGeom prst="rect">
-            <a:avLst/>
-          </a:prstGeom>
-          <a:noFill/>
-        </p:spPr>
-        <p:txBody>
-          <a:bodyPr wrap="square" rtlCol="0">
-            <a:spAutoFit/>
-          </a:bodyPr>
-          <a:lstStyle/>
-          <a:p>
-            <a:r>
-              <a:rPr lang="en-US" dirty="0" smtClean="0"/>
-              <a:t>Base Case</a:t>
-            </a:r>
-          </a:p>
-          <a:p>
-            <a:r>
-              <a:rPr lang="en-US" dirty="0" smtClean="0"/>
-              <a:t>= 0.5117</a:t>
-            </a:r>
-          </a:p>
-          <a:p>
-            <a:endParaRPr lang="en-US" dirty="0"/>
-          </a:p>
-          <a:p>
-            <a:endParaRPr lang="en-US" dirty="0" smtClean="0"/>
-          </a:p>
-          <a:p>
-            <a:endParaRPr lang="en-US" dirty="0"/>
-          </a:p>
-        </p:txBody>
-      </p:sp>
       <p:pic>
         <p:nvPicPr>
-          <p:cNvPr id="9" name="Picture 8" descr="LC1.png"/>
+          <p:cNvPr id="5" name="Picture 4" descr="Screen Shot 2016-01-25 at 9.38.17 PM.png"/>
           <p:cNvPicPr>
             <a:picLocks noChangeAspect="1"/>
           </p:cNvPicPr>
@@ -8565,18 +8806,260 @@
         </p:blipFill>
         <p:spPr>
           <a:xfrm>
-            <a:off x="5095704" y="3032635"/>
-            <a:ext cx="3593022" cy="3593022"/>
+            <a:off x="4753524" y="2381401"/>
+            <a:ext cx="3894845" cy="2242112"/>
           </a:xfrm>
           <a:prstGeom prst="rect">
             <a:avLst/>
           </a:prstGeom>
         </p:spPr>
       </p:pic>
+      <p:sp>
+        <p:nvSpPr>
+          <p:cNvPr id="6" name="Right Arrow 5"/>
+          <p:cNvSpPr/>
+          <p:nvPr/>
+        </p:nvSpPr>
+        <p:spPr>
+          <a:xfrm>
+            <a:off x="4084738" y="3336188"/>
+            <a:ext cx="668786" cy="350326"/>
+          </a:xfrm>
+          <a:prstGeom prst="rightArrow">
+            <a:avLst/>
+          </a:prstGeom>
+        </p:spPr>
+        <p:style>
+          <a:lnRef idx="1">
+            <a:schemeClr val="accent1"/>
+          </a:lnRef>
+          <a:fillRef idx="3">
+            <a:schemeClr val="accent1"/>
+          </a:fillRef>
+          <a:effectRef idx="2">
+            <a:schemeClr val="accent1"/>
+          </a:effectRef>
+          <a:fontRef idx="minor">
+            <a:schemeClr val="lt1"/>
+          </a:fontRef>
+        </p:style>
+        <p:txBody>
+          <a:bodyPr rtlCol="0" anchor="ctr"/>
+          <a:lstStyle/>
+          <a:p>
+            <a:pPr algn="ctr"/>
+            <a:endParaRPr lang="en-US"/>
+          </a:p>
+        </p:txBody>
+      </p:sp>
+      <p:sp>
+        <p:nvSpPr>
+          <p:cNvPr id="7" name="TextBox 6"/>
+          <p:cNvSpPr txBox="1"/>
+          <p:nvPr/>
+        </p:nvSpPr>
+        <p:spPr>
+          <a:xfrm>
+            <a:off x="1827638" y="4639003"/>
+            <a:ext cx="1077113" cy="646331"/>
+          </a:xfrm>
+          <a:prstGeom prst="rect">
+            <a:avLst/>
+          </a:prstGeom>
+          <a:noFill/>
+        </p:spPr>
+        <p:txBody>
+          <a:bodyPr wrap="none" rtlCol="0">
+            <a:spAutoFit/>
+          </a:bodyPr>
+          <a:lstStyle/>
+          <a:p>
+            <a:r>
+              <a:rPr lang="en-US" dirty="0" smtClean="0"/>
+              <a:t>All Data</a:t>
+            </a:r>
+          </a:p>
+          <a:p>
+            <a:endParaRPr lang="en-US" dirty="0"/>
+          </a:p>
+        </p:txBody>
+      </p:sp>
+      <p:sp>
+        <p:nvSpPr>
+          <p:cNvPr id="8" name="TextBox 7"/>
+          <p:cNvSpPr txBox="1"/>
+          <p:nvPr/>
+        </p:nvSpPr>
+        <p:spPr>
+          <a:xfrm>
+            <a:off x="6226361" y="4639003"/>
+            <a:ext cx="1540017" cy="646331"/>
+          </a:xfrm>
+          <a:prstGeom prst="rect">
+            <a:avLst/>
+          </a:prstGeom>
+          <a:noFill/>
+        </p:spPr>
+        <p:txBody>
+          <a:bodyPr wrap="none" rtlCol="0">
+            <a:spAutoFit/>
+          </a:bodyPr>
+          <a:lstStyle/>
+          <a:p>
+            <a:r>
+              <a:rPr lang="en-US" dirty="0" smtClean="0"/>
+              <a:t>&gt;50 Reviews</a:t>
+            </a:r>
+          </a:p>
+          <a:p>
+            <a:endParaRPr lang="en-US" dirty="0"/>
+          </a:p>
+        </p:txBody>
+      </p:sp>
+      <p:pic>
+        <p:nvPicPr>
+          <p:cNvPr id="9" name="Picture 8" descr="Screen Shot 2016-01-26 at 6.24.22 PM.png"/>
+          <p:cNvPicPr>
+            <a:picLocks noChangeAspect="1"/>
+          </p:cNvPicPr>
+          <p:nvPr/>
+        </p:nvPicPr>
+        <p:blipFill>
+          <a:blip r:embed="rId4">
+            <a:extLst>
+              <a:ext uri="{28A0092B-C50C-407E-A947-70E740481C1C}">
+                <a14:useLocalDpi xmlns:a14="http://schemas.microsoft.com/office/drawing/2010/main" val="0"/>
+              </a:ext>
+            </a:extLst>
+          </a:blip>
+          <a:stretch>
+            <a:fillRect/>
+          </a:stretch>
+        </p:blipFill>
+        <p:spPr>
+          <a:xfrm>
+            <a:off x="1262934" y="5285334"/>
+            <a:ext cx="5643608" cy="1136234"/>
+          </a:xfrm>
+          <a:prstGeom prst="rect">
+            <a:avLst/>
+          </a:prstGeom>
+        </p:spPr>
+      </p:pic>
+      <p:sp>
+        <p:nvSpPr>
+          <p:cNvPr id="10" name="Donut 9"/>
+          <p:cNvSpPr/>
+          <p:nvPr/>
+        </p:nvSpPr>
+        <p:spPr>
+          <a:xfrm>
+            <a:off x="3604597" y="2075599"/>
+            <a:ext cx="449165" cy="2733789"/>
+          </a:xfrm>
+          <a:prstGeom prst="donut">
+            <a:avLst>
+              <a:gd name="adj" fmla="val 17626"/>
+            </a:avLst>
+          </a:prstGeom>
+          <a:ln w="3175" cmpd="sng">
+            <a:solidFill>
+              <a:srgbClr val="990000"/>
+            </a:solidFill>
+          </a:ln>
+        </p:spPr>
+        <p:style>
+          <a:lnRef idx="1">
+            <a:schemeClr val="accent1"/>
+          </a:lnRef>
+          <a:fillRef idx="3">
+            <a:schemeClr val="accent1"/>
+          </a:fillRef>
+          <a:effectRef idx="2">
+            <a:schemeClr val="accent1"/>
+          </a:effectRef>
+          <a:fontRef idx="minor">
+            <a:schemeClr val="lt1"/>
+          </a:fontRef>
+        </p:style>
+        <p:txBody>
+          <a:bodyPr rtlCol="0" anchor="ctr"/>
+          <a:lstStyle/>
+          <a:p>
+            <a:pPr algn="ctr"/>
+            <a:endParaRPr lang="en-US">
+              <a:solidFill>
+                <a:schemeClr val="tx1"/>
+              </a:solidFill>
+            </a:endParaRPr>
+          </a:p>
+        </p:txBody>
+      </p:sp>
+      <p:cxnSp>
+        <p:nvCxnSpPr>
+          <p:cNvPr id="13" name="Straight Arrow Connector 12"/>
+          <p:cNvCxnSpPr/>
+          <p:nvPr/>
+        </p:nvCxnSpPr>
+        <p:spPr>
+          <a:xfrm>
+            <a:off x="3821435" y="4809388"/>
+            <a:ext cx="30976" cy="475946"/>
+          </a:xfrm>
+          <a:prstGeom prst="straightConnector1">
+            <a:avLst/>
+          </a:prstGeom>
+          <a:ln>
+            <a:tailEnd type="arrow"/>
+          </a:ln>
+        </p:spPr>
+        <p:style>
+          <a:lnRef idx="2">
+            <a:schemeClr val="accent1"/>
+          </a:lnRef>
+          <a:fillRef idx="0">
+            <a:schemeClr val="accent1"/>
+          </a:fillRef>
+          <a:effectRef idx="1">
+            <a:schemeClr val="accent1"/>
+          </a:effectRef>
+          <a:fontRef idx="minor">
+            <a:schemeClr val="tx1"/>
+          </a:fontRef>
+        </p:style>
+      </p:cxnSp>
+      <p:sp>
+        <p:nvSpPr>
+          <p:cNvPr id="11" name="Title 1"/>
+          <p:cNvSpPr>
+            <a:spLocks noGrp="1"/>
+          </p:cNvSpPr>
+          <p:nvPr>
+            <p:ph type="title"/>
+          </p:nvPr>
+        </p:nvSpPr>
+        <p:spPr>
+          <a:xfrm>
+            <a:off x="457199" y="638815"/>
+            <a:ext cx="6508377" cy="1143000"/>
+          </a:xfrm>
+        </p:spPr>
+        <p:txBody>
+          <a:bodyPr/>
+          <a:lstStyle/>
+          <a:p>
+            <a:r>
+              <a:rPr lang="en-US" dirty="0" smtClean="0"/>
+              <a:t>Removing ‘fake’ accounts</a:t>
+            </a:r>
+            <a:endParaRPr lang="en-US" dirty="0"/>
+          </a:p>
+        </p:txBody>
+      </p:sp>
     </p:spTree>
     <p:extLst>
       <p:ext uri="{BB962C8B-B14F-4D97-AF65-F5344CB8AC3E}">
-        <p14:creationId xmlns:p14="http://schemas.microsoft.com/office/powerpoint/2010/main" val="3760981143"/>
+        <p14:creationId xmlns:p14="http://schemas.microsoft.com/office/powerpoint/2010/main" val="2208276077"/>
       </p:ext>
     </p:extLst>
   </p:cSld>
@@ -8612,35 +9095,74 @@
       </p:grpSpPr>
       <p:sp>
         <p:nvSpPr>
-          <p:cNvPr id="2" name="Title 1"/>
-          <p:cNvSpPr>
-            <a:spLocks noGrp="1"/>
-          </p:cNvSpPr>
-          <p:nvPr>
-            <p:ph type="title"/>
-          </p:nvPr>
-        </p:nvSpPr>
-        <p:spPr>
-          <a:xfrm>
-            <a:off x="348780" y="-212594"/>
-            <a:ext cx="6508377" cy="1143000"/>
+          <p:cNvPr id="5" name="Content Placeholder 4"/>
+          <p:cNvSpPr>
+            <a:spLocks noGrp="1"/>
+          </p:cNvSpPr>
+          <p:nvPr>
+            <p:ph idx="1"/>
+          </p:nvPr>
+        </p:nvSpPr>
+        <p:spPr>
+          <a:xfrm>
+            <a:off x="536222" y="4898100"/>
+            <a:ext cx="4750132" cy="1836385"/>
           </a:xfrm>
         </p:spPr>
         <p:txBody>
           <a:bodyPr/>
           <a:lstStyle/>
           <a:p>
+            <a:pPr marL="0" indent="0">
+              <a:buNone/>
+            </a:pPr>
             <a:r>
               <a:rPr lang="en-US" dirty="0" smtClean="0"/>
-              <a:t>Feature importance</a:t>
-            </a:r>
-            <a:endParaRPr lang="en-US" dirty="0"/>
+              <a:t>PCA using 2 components</a:t>
+            </a:r>
+          </a:p>
+          <a:p>
+            <a:pPr marL="0" indent="0">
+              <a:buNone/>
+            </a:pPr>
+            <a:r>
+              <a:rPr lang="en-US" dirty="0"/>
+              <a:t>o</a:t>
+            </a:r>
+            <a:r>
+              <a:rPr lang="en-US" dirty="0" smtClean="0"/>
+              <a:t>n </a:t>
+            </a:r>
+            <a:r>
+              <a:rPr lang="en-US" dirty="0" smtClean="0"/>
+              <a:t>normalize</a:t>
+            </a:r>
+            <a:r>
+              <a:rPr lang="en-US" dirty="0" smtClean="0"/>
+              <a:t>d </a:t>
+            </a:r>
+            <a:r>
+              <a:rPr lang="en-US" dirty="0" smtClean="0"/>
+              <a:t>data</a:t>
+            </a:r>
+          </a:p>
+          <a:p>
+            <a:pPr marL="0" indent="0">
+              <a:buNone/>
+            </a:pPr>
+            <a:endParaRPr lang="en-US" dirty="0" smtClean="0"/>
+          </a:p>
+          <a:p>
+            <a:pPr marL="0" indent="0">
+              <a:buNone/>
+            </a:pPr>
+            <a:endParaRPr lang="en-US" dirty="0" smtClean="0"/>
           </a:p>
         </p:txBody>
       </p:sp>
       <p:pic>
         <p:nvPicPr>
-          <p:cNvPr id="5" name="Picture 4" descr="SVC.png"/>
+          <p:cNvPr id="6" name="Picture 5" descr="PCA.png"/>
           <p:cNvPicPr>
             <a:picLocks noChangeAspect="1"/>
           </p:cNvPicPr>
@@ -8660,63 +9182,76 @@
         </p:blipFill>
         <p:spPr>
           <a:xfrm>
-            <a:off x="348779" y="1239669"/>
-            <a:ext cx="5691721" cy="3995799"/>
+            <a:off x="4049890" y="2215444"/>
+            <a:ext cx="4078111" cy="4078111"/>
           </a:xfrm>
           <a:prstGeom prst="rect">
             <a:avLst/>
           </a:prstGeom>
         </p:spPr>
       </p:pic>
-      <p:sp>
-        <p:nvSpPr>
-          <p:cNvPr id="6" name="TextBox 5"/>
-          <p:cNvSpPr txBox="1"/>
+      <p:pic>
+        <p:nvPicPr>
+          <p:cNvPr id="8" name="Picture 7" descr="Screen Shot 2016-01-25 at 9.22.18 PM.png"/>
+          <p:cNvPicPr>
+            <a:picLocks noChangeAspect="1"/>
+          </p:cNvPicPr>
           <p:nvPr/>
-        </p:nvSpPr>
-        <p:spPr>
-          <a:xfrm>
-            <a:off x="6040500" y="3020463"/>
-            <a:ext cx="2885545" cy="923330"/>
+        </p:nvPicPr>
+        <p:blipFill>
+          <a:blip r:embed="rId3">
+            <a:extLst>
+              <a:ext uri="{28A0092B-C50C-407E-A947-70E740481C1C}">
+                <a14:useLocalDpi xmlns:a14="http://schemas.microsoft.com/office/drawing/2010/main" val="0"/>
+              </a:ext>
+            </a:extLst>
+          </a:blip>
+          <a:stretch>
+            <a:fillRect/>
+          </a:stretch>
+        </p:blipFill>
+        <p:spPr>
+          <a:xfrm>
+            <a:off x="252595" y="914400"/>
+            <a:ext cx="3676686" cy="3697112"/>
           </a:xfrm>
           <a:prstGeom prst="rect">
             <a:avLst/>
           </a:prstGeom>
-          <a:noFill/>
-        </p:spPr>
-        <p:txBody>
-          <a:bodyPr wrap="square" rtlCol="0">
-            <a:spAutoFit/>
-          </a:bodyPr>
+        </p:spPr>
+      </p:pic>
+      <p:sp>
+        <p:nvSpPr>
+          <p:cNvPr id="7" name="Title 1"/>
+          <p:cNvSpPr>
+            <a:spLocks noGrp="1"/>
+          </p:cNvSpPr>
+          <p:nvPr>
+            <p:ph type="title"/>
+          </p:nvPr>
+        </p:nvSpPr>
+        <p:spPr>
+          <a:xfrm>
+            <a:off x="457199" y="-228600"/>
+            <a:ext cx="6508377" cy="1143000"/>
+          </a:xfrm>
+        </p:spPr>
+        <p:txBody>
+          <a:bodyPr/>
           <a:lstStyle/>
           <a:p>
             <a:r>
               <a:rPr lang="en-US" dirty="0" smtClean="0"/>
-              <a:t>Feature importance</a:t>
-            </a:r>
-          </a:p>
-          <a:p>
-            <a:r>
-              <a:rPr lang="en-US" dirty="0"/>
-              <a:t>b</a:t>
-            </a:r>
-            <a:r>
-              <a:rPr lang="en-US" dirty="0" smtClean="0"/>
-              <a:t>ased on linear kernel</a:t>
-            </a:r>
-          </a:p>
-          <a:p>
-            <a:r>
-              <a:rPr lang="en-US" dirty="0" smtClean="0"/>
-              <a:t>model</a:t>
-            </a:r>
+              <a:t>PCA</a:t>
+            </a:r>
+            <a:endParaRPr lang="en-US" dirty="0"/>
           </a:p>
         </p:txBody>
       </p:sp>
     </p:spTree>
     <p:extLst>
       <p:ext uri="{BB962C8B-B14F-4D97-AF65-F5344CB8AC3E}">
-        <p14:creationId xmlns:p14="http://schemas.microsoft.com/office/powerpoint/2010/main" val="1348602933"/>
+        <p14:creationId xmlns:p14="http://schemas.microsoft.com/office/powerpoint/2010/main" val="755634140"/>
       </p:ext>
     </p:extLst>
   </p:cSld>
@@ -8752,59 +9287,269 @@
       </p:grpSpPr>
       <p:sp>
         <p:nvSpPr>
-          <p:cNvPr id="2" name="Title 1"/>
-          <p:cNvSpPr>
-            <a:spLocks noGrp="1"/>
-          </p:cNvSpPr>
-          <p:nvPr>
-            <p:ph type="title"/>
-          </p:nvPr>
-        </p:nvSpPr>
-        <p:spPr/>
+          <p:cNvPr id="3" name="Content Placeholder 2"/>
+          <p:cNvSpPr>
+            <a:spLocks noGrp="1"/>
+          </p:cNvSpPr>
+          <p:nvPr>
+            <p:ph idx="1"/>
+          </p:nvPr>
+        </p:nvSpPr>
+        <p:spPr>
+          <a:xfrm>
+            <a:off x="4146924" y="610300"/>
+            <a:ext cx="5018243" cy="2090385"/>
+          </a:xfrm>
+        </p:spPr>
         <p:txBody>
           <a:bodyPr/>
           <a:lstStyle/>
           <a:p>
+            <a:pPr marL="0" indent="0">
+              <a:buNone/>
+            </a:pPr>
             <a:r>
               <a:rPr lang="en-US" dirty="0" smtClean="0"/>
-              <a:t>NEXT STEPS</a:t>
-            </a:r>
+              <a:t>Low representation of</a:t>
+            </a:r>
+          </a:p>
+          <a:p>
+            <a:pPr marL="0" indent="0">
+              <a:buNone/>
+            </a:pPr>
+            <a:r>
+              <a:rPr lang="en-US" dirty="0"/>
+              <a:t>u</a:t>
+            </a:r>
+            <a:r>
+              <a:rPr lang="en-US" dirty="0" smtClean="0"/>
+              <a:t>sers with low average</a:t>
+            </a:r>
+          </a:p>
+          <a:p>
+            <a:pPr marL="0" indent="0">
+              <a:buNone/>
+            </a:pPr>
+            <a:r>
+              <a:rPr lang="en-US" dirty="0"/>
+              <a:t>r</a:t>
+            </a:r>
+            <a:r>
+              <a:rPr lang="en-US" dirty="0" smtClean="0"/>
+              <a:t>atings</a:t>
+            </a:r>
+          </a:p>
+          <a:p>
+            <a:pPr marL="0" indent="0">
+              <a:buNone/>
+            </a:pPr>
+            <a:endParaRPr lang="en-US" dirty="0" smtClean="0"/>
+          </a:p>
+          <a:p>
+            <a:pPr marL="0" indent="0">
+              <a:buNone/>
+            </a:pPr>
             <a:endParaRPr lang="en-US" dirty="0"/>
           </a:p>
         </p:txBody>
       </p:sp>
-      <p:sp>
-        <p:nvSpPr>
-          <p:cNvPr id="3" name="Content Placeholder 2"/>
-          <p:cNvSpPr>
-            <a:spLocks noGrp="1"/>
-          </p:cNvSpPr>
-          <p:nvPr>
-            <p:ph idx="1"/>
-          </p:nvPr>
-        </p:nvSpPr>
-        <p:spPr/>
-        <p:txBody>
-          <a:bodyPr/>
+      <p:pic>
+        <p:nvPicPr>
+          <p:cNvPr id="4" name="Picture 3" descr="Screen Shot 2016-01-25 at 9.25.55 PM.png"/>
+          <p:cNvPicPr>
+            <a:picLocks noChangeAspect="1"/>
+          </p:cNvPicPr>
+          <p:nvPr/>
+        </p:nvPicPr>
+        <p:blipFill>
+          <a:blip r:embed="rId3">
+            <a:extLst>
+              <a:ext uri="{28A0092B-C50C-407E-A947-70E740481C1C}">
+                <a14:useLocalDpi xmlns:a14="http://schemas.microsoft.com/office/drawing/2010/main" val="0"/>
+              </a:ext>
+            </a:extLst>
+          </a:blip>
+          <a:stretch>
+            <a:fillRect/>
+          </a:stretch>
+        </p:blipFill>
+        <p:spPr>
+          <a:xfrm>
+            <a:off x="0" y="353658"/>
+            <a:ext cx="4254500" cy="2753607"/>
+          </a:xfrm>
+          <a:prstGeom prst="rect">
+            <a:avLst/>
+          </a:prstGeom>
+        </p:spPr>
+      </p:pic>
+      <p:pic>
+        <p:nvPicPr>
+          <p:cNvPr id="5" name="Picture 4" descr="Screen Shot 2016-01-25 at 9.24.08 PM.png"/>
+          <p:cNvPicPr>
+            <a:picLocks noChangeAspect="1"/>
+          </p:cNvPicPr>
+          <p:nvPr/>
+        </p:nvPicPr>
+        <p:blipFill>
+          <a:blip r:embed="rId4">
+            <a:extLst>
+              <a:ext uri="{28A0092B-C50C-407E-A947-70E740481C1C}">
+                <a14:useLocalDpi xmlns:a14="http://schemas.microsoft.com/office/drawing/2010/main" val="0"/>
+              </a:ext>
+            </a:extLst>
+          </a:blip>
+          <a:stretch>
+            <a:fillRect/>
+          </a:stretch>
+        </p:blipFill>
+        <p:spPr>
+          <a:xfrm>
+            <a:off x="243416" y="2978768"/>
+            <a:ext cx="4001227" cy="2679082"/>
+          </a:xfrm>
+          <a:prstGeom prst="rect">
+            <a:avLst/>
+          </a:prstGeom>
+        </p:spPr>
+      </p:pic>
+      <p:pic>
+        <p:nvPicPr>
+          <p:cNvPr id="6" name="Picture 5" descr="Screen Shot 2016-01-25 at 9.24.14 PM.png"/>
+          <p:cNvPicPr>
+            <a:picLocks noChangeAspect="1"/>
+          </p:cNvPicPr>
+          <p:nvPr/>
+        </p:nvPicPr>
+        <p:blipFill>
+          <a:blip r:embed="rId5">
+            <a:extLst>
+              <a:ext uri="{28A0092B-C50C-407E-A947-70E740481C1C}">
+                <a14:useLocalDpi xmlns:a14="http://schemas.microsoft.com/office/drawing/2010/main" val="0"/>
+              </a:ext>
+            </a:extLst>
+          </a:blip>
+          <a:stretch>
+            <a:fillRect/>
+          </a:stretch>
+        </p:blipFill>
+        <p:spPr>
+          <a:xfrm>
+            <a:off x="4536017" y="2999935"/>
+            <a:ext cx="4036484" cy="2679082"/>
+          </a:xfrm>
+          <a:prstGeom prst="rect">
+            <a:avLst/>
+          </a:prstGeom>
+        </p:spPr>
+      </p:pic>
+      <p:sp>
+        <p:nvSpPr>
+          <p:cNvPr id="7" name="TextBox 6"/>
+          <p:cNvSpPr txBox="1"/>
+          <p:nvPr/>
+        </p:nvSpPr>
+        <p:spPr>
+          <a:xfrm>
+            <a:off x="677334" y="5905500"/>
+            <a:ext cx="2641431" cy="646331"/>
+          </a:xfrm>
+          <a:prstGeom prst="rect">
+            <a:avLst/>
+          </a:prstGeom>
+          <a:noFill/>
+        </p:spPr>
+        <p:txBody>
+          <a:bodyPr wrap="none" rtlCol="0">
+            <a:spAutoFit/>
+          </a:bodyPr>
           <a:lstStyle/>
           <a:p>
             <a:r>
               <a:rPr lang="en-US" dirty="0" smtClean="0"/>
-              <a:t>More feature engineering to allow for non-PCA model to run </a:t>
-            </a:r>
-          </a:p>
-          <a:p>
-            <a:r>
-              <a:rPr lang="en-US" dirty="0"/>
-              <a:t> </a:t>
-            </a:r>
+              <a:t>Average stars &gt; 3 stars</a:t>
+            </a:r>
+          </a:p>
+          <a:p>
             <a:r>
               <a:rPr lang="en-US" dirty="0" smtClean="0"/>
-              <a:t>Additional data, linking databases to get check-in or </a:t>
-            </a:r>
-            <a:r>
-              <a:rPr lang="en-US" smtClean="0"/>
-              <a:t>geographic data</a:t>
+              <a:t>Review count 100-200</a:t>
+            </a:r>
+          </a:p>
+        </p:txBody>
+      </p:sp>
+      <p:sp>
+        <p:nvSpPr>
+          <p:cNvPr id="8" name="TextBox 7"/>
+          <p:cNvSpPr txBox="1"/>
+          <p:nvPr/>
+        </p:nvSpPr>
+        <p:spPr>
+          <a:xfrm>
+            <a:off x="5126566" y="5930901"/>
+            <a:ext cx="2641431" cy="646331"/>
+          </a:xfrm>
+          <a:prstGeom prst="rect">
+            <a:avLst/>
+          </a:prstGeom>
+          <a:noFill/>
+        </p:spPr>
+        <p:txBody>
+          <a:bodyPr wrap="none" rtlCol="0">
+            <a:spAutoFit/>
+          </a:bodyPr>
+          <a:lstStyle/>
+          <a:p>
+            <a:r>
+              <a:rPr lang="en-US" dirty="0" smtClean="0"/>
+              <a:t>Average stars &lt; 3 stars</a:t>
+            </a:r>
+          </a:p>
+          <a:p>
+            <a:r>
+              <a:rPr lang="en-US" dirty="0" smtClean="0"/>
+              <a:t>Review count 100-200</a:t>
+            </a:r>
+          </a:p>
+        </p:txBody>
+      </p:sp>
+      <p:sp>
+        <p:nvSpPr>
+          <p:cNvPr id="2" name="Explosion 1 1"/>
+          <p:cNvSpPr/>
+          <p:nvPr/>
+        </p:nvSpPr>
+        <p:spPr>
+          <a:xfrm rot="172643">
+            <a:off x="5823661" y="1781292"/>
+            <a:ext cx="2973785" cy="2323433"/>
+          </a:xfrm>
+          <a:prstGeom prst="irregularSeal1">
+            <a:avLst/>
+          </a:prstGeom>
+        </p:spPr>
+        <p:style>
+          <a:lnRef idx="1">
+            <a:schemeClr val="accent1"/>
+          </a:lnRef>
+          <a:fillRef idx="3">
+            <a:schemeClr val="accent1"/>
+          </a:fillRef>
+          <a:effectRef idx="2">
+            <a:schemeClr val="accent1"/>
+          </a:effectRef>
+          <a:fontRef idx="minor">
+            <a:schemeClr val="lt1"/>
+          </a:fontRef>
+        </p:style>
+        <p:txBody>
+          <a:bodyPr rtlCol="0" anchor="ctr"/>
+          <a:lstStyle/>
+          <a:p>
+            <a:pPr algn="ctr"/>
+            <a:r>
+              <a:rPr lang="en-US" dirty="0" smtClean="0"/>
+              <a:t>Be Positive!!</a:t>
             </a:r>
             <a:endParaRPr lang="en-US" dirty="0"/>
           </a:p>
@@ -8813,7 +9558,229 @@
     </p:spTree>
     <p:extLst>
       <p:ext uri="{BB962C8B-B14F-4D97-AF65-F5344CB8AC3E}">
-        <p14:creationId xmlns:p14="http://schemas.microsoft.com/office/powerpoint/2010/main" val="500408001"/>
+        <p14:creationId xmlns:p14="http://schemas.microsoft.com/office/powerpoint/2010/main" val="4176339347"/>
+      </p:ext>
+    </p:extLst>
+  </p:cSld>
+  <p:clrMapOvr>
+    <a:masterClrMapping/>
+  </p:clrMapOvr>
+  <p:timing>
+    <p:tnLst>
+      <p:par>
+        <p:cTn xmlns:p14="http://schemas.microsoft.com/office/powerpoint/2010/main" id="1" dur="indefinite" restart="never" nodeType="tmRoot"/>
+      </p:par>
+    </p:tnLst>
+  </p:timing>
+</p:sld>
+</file>
+
+<file path=ppt/slides/slide9.xml><?xml version="1.0" encoding="utf-8"?>
+<p:sld xmlns:a="http://schemas.openxmlformats.org/drawingml/2006/main" xmlns:r="http://schemas.openxmlformats.org/officeDocument/2006/relationships" xmlns:p="http://schemas.openxmlformats.org/presentationml/2006/main">
+  <p:cSld>
+    <p:spTree>
+      <p:nvGrpSpPr>
+        <p:cNvPr id="1" name=""/>
+        <p:cNvGrpSpPr/>
+        <p:nvPr/>
+      </p:nvGrpSpPr>
+      <p:grpSpPr>
+        <a:xfrm>
+          <a:off x="0" y="0"/>
+          <a:ext cx="0" cy="0"/>
+          <a:chOff x="0" y="0"/>
+          <a:chExt cx="0" cy="0"/>
+        </a:xfrm>
+      </p:grpSpPr>
+      <p:sp>
+        <p:nvSpPr>
+          <p:cNvPr id="2" name="Title 1"/>
+          <p:cNvSpPr>
+            <a:spLocks noGrp="1"/>
+          </p:cNvSpPr>
+          <p:nvPr>
+            <p:ph type="title"/>
+          </p:nvPr>
+        </p:nvSpPr>
+        <p:spPr>
+          <a:xfrm>
+            <a:off x="457199" y="-400620"/>
+            <a:ext cx="6508377" cy="1143000"/>
+          </a:xfrm>
+        </p:spPr>
+        <p:txBody>
+          <a:bodyPr/>
+          <a:lstStyle/>
+          <a:p>
+            <a:r>
+              <a:rPr lang="en-US" dirty="0" smtClean="0"/>
+              <a:t>Model</a:t>
+            </a:r>
+            <a:endParaRPr lang="en-US" dirty="0"/>
+          </a:p>
+        </p:txBody>
+      </p:sp>
+      <p:sp>
+        <p:nvSpPr>
+          <p:cNvPr id="3" name="Content Placeholder 2"/>
+          <p:cNvSpPr>
+            <a:spLocks noGrp="1"/>
+          </p:cNvSpPr>
+          <p:nvPr>
+            <p:ph idx="1"/>
+          </p:nvPr>
+        </p:nvSpPr>
+        <p:spPr>
+          <a:xfrm>
+            <a:off x="333291" y="753755"/>
+            <a:ext cx="6508377" cy="3916363"/>
+          </a:xfrm>
+        </p:spPr>
+        <p:txBody>
+          <a:bodyPr/>
+          <a:lstStyle/>
+          <a:p>
+            <a:pPr marL="0" indent="0">
+              <a:buNone/>
+            </a:pPr>
+            <a:r>
+              <a:rPr lang="en-US" dirty="0" smtClean="0"/>
+              <a:t>Support Vector Machine</a:t>
+            </a:r>
+          </a:p>
+          <a:p>
+            <a:pPr marL="0" indent="0">
+              <a:buNone/>
+            </a:pPr>
+            <a:r>
+              <a:rPr lang="en-US" dirty="0" smtClean="0"/>
+              <a:t>(C=1, kernel =‘</a:t>
+            </a:r>
+            <a:r>
+              <a:rPr lang="en-US" dirty="0" err="1" smtClean="0"/>
+              <a:t>rbf</a:t>
+            </a:r>
+            <a:r>
+              <a:rPr lang="en-US" dirty="0" smtClean="0"/>
+              <a:t>’)</a:t>
+            </a:r>
+          </a:p>
+          <a:p>
+            <a:pPr marL="0" indent="0">
+              <a:buNone/>
+            </a:pPr>
+            <a:endParaRPr lang="en-US" dirty="0"/>
+          </a:p>
+        </p:txBody>
+      </p:sp>
+      <p:pic>
+        <p:nvPicPr>
+          <p:cNvPr id="5" name="Picture 4" descr="Screen Shot 2016-01-25 at 9.48.56 PM.png"/>
+          <p:cNvPicPr>
+            <a:picLocks noChangeAspect="1"/>
+          </p:cNvPicPr>
+          <p:nvPr/>
+        </p:nvPicPr>
+        <p:blipFill>
+          <a:blip r:embed="rId2">
+            <a:extLst>
+              <a:ext uri="{28A0092B-C50C-407E-A947-70E740481C1C}">
+                <a14:useLocalDpi xmlns:a14="http://schemas.microsoft.com/office/drawing/2010/main" val="0"/>
+              </a:ext>
+            </a:extLst>
+          </a:blip>
+          <a:stretch>
+            <a:fillRect/>
+          </a:stretch>
+        </p:blipFill>
+        <p:spPr>
+          <a:xfrm>
+            <a:off x="457199" y="1827741"/>
+            <a:ext cx="5334000" cy="1587500"/>
+          </a:xfrm>
+          <a:prstGeom prst="rect">
+            <a:avLst/>
+          </a:prstGeom>
+        </p:spPr>
+      </p:pic>
+      <p:sp>
+        <p:nvSpPr>
+          <p:cNvPr id="7" name="TextBox 6"/>
+          <p:cNvSpPr txBox="1"/>
+          <p:nvPr/>
+        </p:nvSpPr>
+        <p:spPr>
+          <a:xfrm>
+            <a:off x="5791199" y="1827741"/>
+            <a:ext cx="2633039" cy="1477328"/>
+          </a:xfrm>
+          <a:prstGeom prst="rect">
+            <a:avLst/>
+          </a:prstGeom>
+          <a:noFill/>
+        </p:spPr>
+        <p:txBody>
+          <a:bodyPr wrap="square" rtlCol="0">
+            <a:spAutoFit/>
+          </a:bodyPr>
+          <a:lstStyle/>
+          <a:p>
+            <a:r>
+              <a:rPr lang="en-US" dirty="0" smtClean="0"/>
+              <a:t>Base Case</a:t>
+            </a:r>
+          </a:p>
+          <a:p>
+            <a:r>
+              <a:rPr lang="en-US" dirty="0" smtClean="0"/>
+              <a:t>= 0.5117</a:t>
+            </a:r>
+          </a:p>
+          <a:p>
+            <a:endParaRPr lang="en-US" dirty="0"/>
+          </a:p>
+          <a:p>
+            <a:endParaRPr lang="en-US" dirty="0" smtClean="0"/>
+          </a:p>
+          <a:p>
+            <a:endParaRPr lang="en-US" dirty="0"/>
+          </a:p>
+        </p:txBody>
+      </p:sp>
+      <p:pic>
+        <p:nvPicPr>
+          <p:cNvPr id="9" name="Picture 8" descr="LC1.png"/>
+          <p:cNvPicPr>
+            <a:picLocks noChangeAspect="1"/>
+          </p:cNvPicPr>
+          <p:nvPr/>
+        </p:nvPicPr>
+        <p:blipFill>
+          <a:blip r:embed="rId3">
+            <a:extLst>
+              <a:ext uri="{28A0092B-C50C-407E-A947-70E740481C1C}">
+                <a14:useLocalDpi xmlns:a14="http://schemas.microsoft.com/office/drawing/2010/main" val="0"/>
+              </a:ext>
+            </a:extLst>
+          </a:blip>
+          <a:stretch>
+            <a:fillRect/>
+          </a:stretch>
+        </p:blipFill>
+        <p:spPr>
+          <a:xfrm>
+            <a:off x="5095704" y="3032635"/>
+            <a:ext cx="3593022" cy="3593022"/>
+          </a:xfrm>
+          <a:prstGeom prst="rect">
+            <a:avLst/>
+          </a:prstGeom>
+        </p:spPr>
+      </p:pic>
+    </p:spTree>
+    <p:extLst>
+      <p:ext uri="{BB962C8B-B14F-4D97-AF65-F5344CB8AC3E}">
+        <p14:creationId xmlns:p14="http://schemas.microsoft.com/office/powerpoint/2010/main" val="3760981143"/>
       </p:ext>
     </p:extLst>
   </p:cSld>
